--- a/CBP專案/帳單API/帳單Draft API.pptx
+++ b/CBP專案/帳單API/帳單Draft API.pptx
@@ -7,6 +7,7 @@
   <p:sldIdLst>
     <p:sldId id="256" r:id="rId2"/>
     <p:sldId id="257" r:id="rId3"/>
+    <p:sldId id="258" r:id="rId4"/>
   </p:sldIdLst>
   <p:sldSz cx="12192000" cy="6858000"/>
   <p:notesSz cx="6858000" cy="9144000"/>
@@ -105,6 +106,11 @@
       </a:defRPr>
     </a:lvl9pPr>
   </p:defaultTextStyle>
+  <p:extLst>
+    <p:ext uri="{EFAFB233-063F-42B5-8137-9DF3F51BA10A}">
+      <p15:sldGuideLst xmlns:p15="http://schemas.microsoft.com/office/powerpoint/2012/main"/>
+    </p:ext>
+  </p:extLst>
 </p:presentation>
 </file>
 
@@ -255,7 +261,7 @@
           <a:p>
             <a:fld id="{AAE5B73C-3B16-43BE-9FBD-D84F32EA9567}" type="datetimeFigureOut">
               <a:rPr lang="zh-TW" altLang="en-US" smtClean="0"/>
-              <a:t>2023/3/23</a:t>
+              <a:t>2023/3/25</a:t>
             </a:fld>
             <a:endParaRPr lang="zh-TW" altLang="en-US"/>
           </a:p>
@@ -453,7 +459,7 @@
           <a:p>
             <a:fld id="{AAE5B73C-3B16-43BE-9FBD-D84F32EA9567}" type="datetimeFigureOut">
               <a:rPr lang="zh-TW" altLang="en-US" smtClean="0"/>
-              <a:t>2023/3/23</a:t>
+              <a:t>2023/3/25</a:t>
             </a:fld>
             <a:endParaRPr lang="zh-TW" altLang="en-US"/>
           </a:p>
@@ -661,7 +667,7 @@
           <a:p>
             <a:fld id="{AAE5B73C-3B16-43BE-9FBD-D84F32EA9567}" type="datetimeFigureOut">
               <a:rPr lang="zh-TW" altLang="en-US" smtClean="0"/>
-              <a:t>2023/3/23</a:t>
+              <a:t>2023/3/25</a:t>
             </a:fld>
             <a:endParaRPr lang="zh-TW" altLang="en-US"/>
           </a:p>
@@ -859,7 +865,7 @@
           <a:p>
             <a:fld id="{AAE5B73C-3B16-43BE-9FBD-D84F32EA9567}" type="datetimeFigureOut">
               <a:rPr lang="zh-TW" altLang="en-US" smtClean="0"/>
-              <a:t>2023/3/23</a:t>
+              <a:t>2023/3/25</a:t>
             </a:fld>
             <a:endParaRPr lang="zh-TW" altLang="en-US"/>
           </a:p>
@@ -1134,7 +1140,7 @@
           <a:p>
             <a:fld id="{AAE5B73C-3B16-43BE-9FBD-D84F32EA9567}" type="datetimeFigureOut">
               <a:rPr lang="zh-TW" altLang="en-US" smtClean="0"/>
-              <a:t>2023/3/23</a:t>
+              <a:t>2023/3/25</a:t>
             </a:fld>
             <a:endParaRPr lang="zh-TW" altLang="en-US"/>
           </a:p>
@@ -1399,7 +1405,7 @@
           <a:p>
             <a:fld id="{AAE5B73C-3B16-43BE-9FBD-D84F32EA9567}" type="datetimeFigureOut">
               <a:rPr lang="zh-TW" altLang="en-US" smtClean="0"/>
-              <a:t>2023/3/23</a:t>
+              <a:t>2023/3/25</a:t>
             </a:fld>
             <a:endParaRPr lang="zh-TW" altLang="en-US"/>
           </a:p>
@@ -1811,7 +1817,7 @@
           <a:p>
             <a:fld id="{AAE5B73C-3B16-43BE-9FBD-D84F32EA9567}" type="datetimeFigureOut">
               <a:rPr lang="zh-TW" altLang="en-US" smtClean="0"/>
-              <a:t>2023/3/23</a:t>
+              <a:t>2023/3/25</a:t>
             </a:fld>
             <a:endParaRPr lang="zh-TW" altLang="en-US"/>
           </a:p>
@@ -1952,7 +1958,7 @@
           <a:p>
             <a:fld id="{AAE5B73C-3B16-43BE-9FBD-D84F32EA9567}" type="datetimeFigureOut">
               <a:rPr lang="zh-TW" altLang="en-US" smtClean="0"/>
-              <a:t>2023/3/23</a:t>
+              <a:t>2023/3/25</a:t>
             </a:fld>
             <a:endParaRPr lang="zh-TW" altLang="en-US"/>
           </a:p>
@@ -2065,7 +2071,7 @@
           <a:p>
             <a:fld id="{AAE5B73C-3B16-43BE-9FBD-D84F32EA9567}" type="datetimeFigureOut">
               <a:rPr lang="zh-TW" altLang="en-US" smtClean="0"/>
-              <a:t>2023/3/23</a:t>
+              <a:t>2023/3/25</a:t>
             </a:fld>
             <a:endParaRPr lang="zh-TW" altLang="en-US"/>
           </a:p>
@@ -2376,7 +2382,7 @@
           <a:p>
             <a:fld id="{AAE5B73C-3B16-43BE-9FBD-D84F32EA9567}" type="datetimeFigureOut">
               <a:rPr lang="zh-TW" altLang="en-US" smtClean="0"/>
-              <a:t>2023/3/23</a:t>
+              <a:t>2023/3/25</a:t>
             </a:fld>
             <a:endParaRPr lang="zh-TW" altLang="en-US"/>
           </a:p>
@@ -2664,7 +2670,7 @@
           <a:p>
             <a:fld id="{AAE5B73C-3B16-43BE-9FBD-D84F32EA9567}" type="datetimeFigureOut">
               <a:rPr lang="zh-TW" altLang="en-US" smtClean="0"/>
-              <a:t>2023/3/23</a:t>
+              <a:t>2023/3/25</a:t>
             </a:fld>
             <a:endParaRPr lang="zh-TW" altLang="en-US"/>
           </a:p>
@@ -2905,7 +2911,7 @@
           <a:p>
             <a:fld id="{AAE5B73C-3B16-43BE-9FBD-D84F32EA9567}" type="datetimeFigureOut">
               <a:rPr lang="zh-TW" altLang="en-US" smtClean="0"/>
-              <a:t>2023/3/23</a:t>
+              <a:t>2023/3/25</a:t>
             </a:fld>
             <a:endParaRPr lang="zh-TW" altLang="en-US"/>
           </a:p>
@@ -15979,10 +15985,1486 @@
           </a:graphicData>
         </a:graphic>
       </p:graphicFrame>
+      <p:sp>
+        <p:nvSpPr>
+          <p:cNvPr id="3" name="文字方塊 2">
+            <a:extLst>
+              <a:ext uri="{FF2B5EF4-FFF2-40B4-BE49-F238E27FC236}">
+                <a16:creationId xmlns:a16="http://schemas.microsoft.com/office/drawing/2014/main" id="{C2F96A1E-D5FB-4348-AF9B-2F6797967BE8}"/>
+              </a:ext>
+            </a:extLst>
+          </p:cNvPr>
+          <p:cNvSpPr txBox="1"/>
+          <p:nvPr/>
+        </p:nvSpPr>
+        <p:spPr>
+          <a:xfrm>
+            <a:off x="6724650" y="169196"/>
+            <a:ext cx="4277647" cy="6247864"/>
+          </a:xfrm>
+          <a:prstGeom prst="rect">
+            <a:avLst/>
+          </a:prstGeom>
+          <a:noFill/>
+          <a:ln>
+            <a:solidFill>
+              <a:schemeClr val="tx1"/>
+            </a:solidFill>
+          </a:ln>
+        </p:spPr>
+        <p:txBody>
+          <a:bodyPr wrap="square">
+            <a:spAutoFit/>
+          </a:bodyPr>
+          <a:lstStyle/>
+          <a:p>
+            <a:r>
+              <a:rPr lang="zh-TW" altLang="en-US" sz="800" dirty="0"/>
+              <a:t>{</a:t>
+            </a:r>
+          </a:p>
+          <a:p>
+            <a:r>
+              <a:rPr lang="zh-TW" altLang="en-US" sz="800" dirty="0"/>
+              <a:t>    "ContactWindowAndSupervisorInformation": {</a:t>
+            </a:r>
+          </a:p>
+          <a:p>
+            <a:r>
+              <a:rPr lang="zh-TW" altLang="en-US" sz="800" dirty="0"/>
+              <a:t>        "Company": "CHT",</a:t>
+            </a:r>
+          </a:p>
+          <a:p>
+            <a:r>
+              <a:rPr lang="zh-TW" altLang="en-US" sz="800" dirty="0"/>
+              <a:t>        "Address": "test-address",</a:t>
+            </a:r>
+          </a:p>
+          <a:p>
+            <a:r>
+              <a:rPr lang="zh-TW" altLang="en-US" sz="800" dirty="0"/>
+              <a:t>        "Tel": "123456789",</a:t>
+            </a:r>
+          </a:p>
+          <a:p>
+            <a:r>
+              <a:rPr lang="zh-TW" altLang="en-US" sz="800" dirty="0"/>
+              <a:t>        "Fax": "123456789",</a:t>
+            </a:r>
+          </a:p>
+          <a:p>
+            <a:r>
+              <a:rPr lang="zh-TW" altLang="en-US" sz="800" dirty="0"/>
+              <a:t>        "DirectorName": "郭贊章",</a:t>
+            </a:r>
+          </a:p>
+          <a:p>
+            <a:r>
+              <a:rPr lang="zh-TW" altLang="en-US" sz="800" dirty="0"/>
+              <a:t>        "DTel": "123456789",</a:t>
+            </a:r>
+          </a:p>
+          <a:p>
+            <a:r>
+              <a:rPr lang="zh-TW" altLang="en-US" sz="800" dirty="0"/>
+              <a:t>        "DFax": "123456789"</a:t>
+            </a:r>
+          </a:p>
+          <a:p>
+            <a:r>
+              <a:rPr lang="zh-TW" altLang="en-US" sz="800" dirty="0"/>
+              <a:t>    },</a:t>
+            </a:r>
+          </a:p>
+          <a:p>
+            <a:r>
+              <a:rPr lang="zh-TW" altLang="en-US" sz="800" dirty="0"/>
+              <a:t>    "PartyInformation": {</a:t>
+            </a:r>
+          </a:p>
+          <a:p>
+            <a:r>
+              <a:rPr lang="zh-TW" altLang="en-US" sz="800" dirty="0"/>
+              <a:t>        "Company": "Edge Company",</a:t>
+            </a:r>
+          </a:p>
+          <a:p>
+            <a:r>
+              <a:rPr lang="zh-TW" altLang="en-US" sz="800" dirty="0"/>
+              <a:t>        "Address": "test address",</a:t>
+            </a:r>
+          </a:p>
+          <a:p>
+            <a:r>
+              <a:rPr lang="zh-TW" altLang="en-US" sz="800" dirty="0"/>
+              <a:t>        "Contact": "test contact name",</a:t>
+            </a:r>
+          </a:p>
+          <a:p>
+            <a:r>
+              <a:rPr lang="zh-TW" altLang="en-US" sz="800" dirty="0"/>
+              <a:t>        "Email": "test@testmail.com",</a:t>
+            </a:r>
+          </a:p>
+          <a:p>
+            <a:r>
+              <a:rPr lang="zh-TW" altLang="en-US" sz="800" dirty="0"/>
+              <a:t>        "Tel": "123456789"</a:t>
+            </a:r>
+          </a:p>
+          <a:p>
+            <a:r>
+              <a:rPr lang="zh-TW" altLang="en-US" sz="800" dirty="0"/>
+              <a:t>    },</a:t>
+            </a:r>
+          </a:p>
+          <a:p>
+            <a:r>
+              <a:rPr lang="zh-TW" altLang="en-US" sz="800" dirty="0"/>
+              <a:t>    "CorporateInformation": {</a:t>
+            </a:r>
+          </a:p>
+          <a:p>
+            <a:r>
+              <a:rPr lang="zh-TW" altLang="en-US" sz="800" dirty="0"/>
+              <a:t>        "Name": "test-name",</a:t>
+            </a:r>
+          </a:p>
+          <a:p>
+            <a:r>
+              <a:rPr lang="zh-TW" altLang="en-US" sz="800" dirty="0"/>
+              <a:t>        "Branch": "test-branch",</a:t>
+            </a:r>
+          </a:p>
+          <a:p>
+            <a:r>
+              <a:rPr lang="zh-TW" altLang="en-US" sz="800" dirty="0"/>
+              <a:t>        "Address": "test-address",</a:t>
+            </a:r>
+          </a:p>
+          <a:p>
+            <a:r>
+              <a:rPr lang="zh-TW" altLang="en-US" sz="800" dirty="0"/>
+              <a:t>        "AcctName": "test-acctname",</a:t>
+            </a:r>
+          </a:p>
+          <a:p>
+            <a:r>
+              <a:rPr lang="zh-TW" altLang="en-US" sz="800" dirty="0"/>
+              <a:t>        "AcctNo": "test-acctno",</a:t>
+            </a:r>
+          </a:p>
+          <a:p>
+            <a:r>
+              <a:rPr lang="zh-TW" altLang="en-US" sz="800" dirty="0"/>
+              <a:t>        "SavingAcctNo": "test-savingaccntno",</a:t>
+            </a:r>
+          </a:p>
+          <a:p>
+            <a:r>
+              <a:rPr lang="zh-TW" altLang="en-US" sz="800" dirty="0"/>
+              <a:t>        "IBAN": "test-iban",</a:t>
+            </a:r>
+          </a:p>
+          <a:p>
+            <a:r>
+              <a:rPr lang="zh-TW" altLang="en-US" sz="800" dirty="0"/>
+              <a:t>        "SWIFTCode": "test-swiftcode",</a:t>
+            </a:r>
+          </a:p>
+          <a:p>
+            <a:r>
+              <a:rPr lang="zh-TW" altLang="en-US" sz="800" dirty="0"/>
+              <a:t>        "ACHNo": "test-achno",</a:t>
+            </a:r>
+          </a:p>
+          <a:p>
+            <a:r>
+              <a:rPr lang="zh-TW" altLang="en-US" sz="800" dirty="0"/>
+              <a:t>        "WireRouting": "test-wirerouting"</a:t>
+            </a:r>
+          </a:p>
+          <a:p>
+            <a:r>
+              <a:rPr lang="zh-TW" altLang="en-US" sz="800" dirty="0"/>
+              <a:t>    },</a:t>
+            </a:r>
+          </a:p>
+          <a:p>
+            <a:r>
+              <a:rPr lang="zh-TW" altLang="en-US" sz="800" dirty="0"/>
+              <a:t>    "DetailInformation": [</a:t>
+            </a:r>
+          </a:p>
+          <a:p>
+            <a:r>
+              <a:rPr lang="zh-TW" altLang="en-US" sz="800" dirty="0"/>
+              <a:t>        {</a:t>
+            </a:r>
+          </a:p>
+          <a:p>
+            <a:r>
+              <a:rPr lang="zh-TW" altLang="en-US" sz="800" dirty="0"/>
+              <a:t>            "Supplier": "NEC",</a:t>
+            </a:r>
+          </a:p>
+          <a:p>
+            <a:r>
+              <a:rPr lang="zh-TW" altLang="en-US" sz="800" dirty="0"/>
+              <a:t>            "InvNumber": "02CO-EG2303251517",</a:t>
+            </a:r>
+          </a:p>
+          <a:p>
+            <a:r>
+              <a:rPr lang="zh-TW" altLang="en-US" sz="800" dirty="0"/>
+              <a:t>            "Description": "BM9a Sea cable manufactured (except 8.5km spare cable))- Equipment",</a:t>
+            </a:r>
+          </a:p>
+          <a:p>
+            <a:r>
+              <a:rPr lang="zh-TW" altLang="en-US" sz="800" dirty="0"/>
+              <a:t>            "AmountBilled": 1288822.32,</a:t>
+            </a:r>
+          </a:p>
+          <a:p>
+            <a:r>
+              <a:rPr lang="zh-TW" altLang="en-US" sz="800" dirty="0"/>
+              <a:t>            "Liability": 28.5714285714,</a:t>
+            </a:r>
+          </a:p>
+          <a:p>
+            <a:r>
+              <a:rPr lang="zh-TW" altLang="en-US" sz="800" dirty="0"/>
+              <a:t>            "YourShare": 368234.95</a:t>
+            </a:r>
+          </a:p>
+          <a:p>
+            <a:r>
+              <a:rPr lang="zh-TW" altLang="en-US" sz="800" dirty="0"/>
+              <a:t>        },</a:t>
+            </a:r>
+          </a:p>
+          <a:p>
+            <a:r>
+              <a:rPr lang="zh-TW" altLang="en-US" sz="800" dirty="0"/>
+              <a:t>        {</a:t>
+            </a:r>
+          </a:p>
+          <a:p>
+            <a:r>
+              <a:rPr lang="zh-TW" altLang="en-US" sz="800" dirty="0"/>
+              <a:t>            "Supplier": "NEC",</a:t>
+            </a:r>
+          </a:p>
+          <a:p>
+            <a:r>
+              <a:rPr lang="zh-TW" altLang="en-US" sz="800" dirty="0"/>
+              <a:t>            "InvNumber": "02CO-EG2303251517",</a:t>
+            </a:r>
+          </a:p>
+          <a:p>
+            <a:r>
+              <a:rPr lang="zh-TW" altLang="en-US" sz="800" dirty="0"/>
+              <a:t>            "Description": "BM9a Sea cable manufactured (except 8.5km spare cable))- Service",</a:t>
+            </a:r>
+          </a:p>
+          <a:p>
+            <a:r>
+              <a:rPr lang="zh-TW" altLang="en-US" sz="800" dirty="0"/>
+              <a:t>            "AmountBilled": 1178227.94,</a:t>
+            </a:r>
+          </a:p>
+          <a:p>
+            <a:r>
+              <a:rPr lang="zh-TW" altLang="en-US" sz="800" dirty="0"/>
+              <a:t>            "Liability": 28.5714285714,</a:t>
+            </a:r>
+          </a:p>
+          <a:p>
+            <a:r>
+              <a:rPr lang="zh-TW" altLang="en-US" sz="800" dirty="0"/>
+              <a:t>            "YourShare": 336636.55</a:t>
+            </a:r>
+          </a:p>
+          <a:p>
+            <a:r>
+              <a:rPr lang="zh-TW" altLang="en-US" sz="800" dirty="0"/>
+              <a:t>        },</a:t>
+            </a:r>
+            <a:endParaRPr lang="en-US" altLang="zh-TW" sz="800" dirty="0"/>
+          </a:p>
+          <a:p>
+            <a:r>
+              <a:rPr lang="en-US" altLang="zh-TW" sz="800" dirty="0"/>
+              <a:t>        {…}</a:t>
+            </a:r>
+            <a:endParaRPr lang="zh-TW" altLang="en-US" sz="800" dirty="0"/>
+          </a:p>
+          <a:p>
+            <a:r>
+              <a:rPr lang="zh-TW" altLang="en-US" sz="800" dirty="0"/>
+              <a:t>    ],</a:t>
+            </a:r>
+          </a:p>
+          <a:p>
+            <a:r>
+              <a:rPr lang="zh-TW" altLang="en-US" sz="800" dirty="0"/>
+              <a:t>    "InvoiceNo": "02CO-EG2303251517"</a:t>
+            </a:r>
+          </a:p>
+          <a:p>
+            <a:r>
+              <a:rPr lang="zh-TW" altLang="en-US" sz="800" dirty="0"/>
+              <a:t>}</a:t>
+            </a:r>
+          </a:p>
+        </p:txBody>
+      </p:sp>
+      <p:sp>
+        <p:nvSpPr>
+          <p:cNvPr id="2" name="矩形 1">
+            <a:extLst>
+              <a:ext uri="{FF2B5EF4-FFF2-40B4-BE49-F238E27FC236}">
+                <a16:creationId xmlns:a16="http://schemas.microsoft.com/office/drawing/2014/main" id="{3AAD1116-D984-445B-A983-A2138E73E107}"/>
+              </a:ext>
+            </a:extLst>
+          </p:cNvPr>
+          <p:cNvSpPr/>
+          <p:nvPr/>
+        </p:nvSpPr>
+        <p:spPr>
+          <a:xfrm>
+            <a:off x="6892925" y="321733"/>
+            <a:ext cx="1997075" cy="1119717"/>
+          </a:xfrm>
+          <a:prstGeom prst="rect">
+            <a:avLst/>
+          </a:prstGeom>
+          <a:noFill/>
+          <a:ln w="6350">
+            <a:solidFill>
+              <a:srgbClr val="FF0000"/>
+            </a:solidFill>
+          </a:ln>
+        </p:spPr>
+        <p:style>
+          <a:lnRef idx="2">
+            <a:schemeClr val="accent1">
+              <a:shade val="50000"/>
+            </a:schemeClr>
+          </a:lnRef>
+          <a:fillRef idx="1">
+            <a:schemeClr val="accent1"/>
+          </a:fillRef>
+          <a:effectRef idx="0">
+            <a:schemeClr val="accent1"/>
+          </a:effectRef>
+          <a:fontRef idx="minor">
+            <a:schemeClr val="lt1"/>
+          </a:fontRef>
+        </p:style>
+        <p:txBody>
+          <a:bodyPr rtlCol="0" anchor="ctr"/>
+          <a:lstStyle/>
+          <a:p>
+            <a:pPr algn="ctr"/>
+            <a:endParaRPr lang="zh-TW" altLang="en-US"/>
+          </a:p>
+        </p:txBody>
+      </p:sp>
+      <p:sp>
+        <p:nvSpPr>
+          <p:cNvPr id="6" name="矩形 5">
+            <a:extLst>
+              <a:ext uri="{FF2B5EF4-FFF2-40B4-BE49-F238E27FC236}">
+                <a16:creationId xmlns:a16="http://schemas.microsoft.com/office/drawing/2014/main" id="{014A9EA1-2C76-4F9A-A6D1-6522B6943338}"/>
+              </a:ext>
+            </a:extLst>
+          </p:cNvPr>
+          <p:cNvSpPr/>
+          <p:nvPr/>
+        </p:nvSpPr>
+        <p:spPr>
+          <a:xfrm>
+            <a:off x="294856" y="933449"/>
+            <a:ext cx="5114877" cy="1347789"/>
+          </a:xfrm>
+          <a:prstGeom prst="rect">
+            <a:avLst/>
+          </a:prstGeom>
+          <a:noFill/>
+          <a:ln w="31750">
+            <a:solidFill>
+              <a:srgbClr val="FF0000"/>
+            </a:solidFill>
+          </a:ln>
+        </p:spPr>
+        <p:style>
+          <a:lnRef idx="2">
+            <a:schemeClr val="accent1">
+              <a:shade val="50000"/>
+            </a:schemeClr>
+          </a:lnRef>
+          <a:fillRef idx="1">
+            <a:schemeClr val="accent1"/>
+          </a:fillRef>
+          <a:effectRef idx="0">
+            <a:schemeClr val="accent1"/>
+          </a:effectRef>
+          <a:fontRef idx="minor">
+            <a:schemeClr val="lt1"/>
+          </a:fontRef>
+        </p:style>
+        <p:txBody>
+          <a:bodyPr rtlCol="0" anchor="ctr"/>
+          <a:lstStyle/>
+          <a:p>
+            <a:pPr algn="ctr"/>
+            <a:endParaRPr lang="zh-TW" altLang="en-US"/>
+          </a:p>
+        </p:txBody>
+      </p:sp>
+      <p:cxnSp>
+        <p:nvCxnSpPr>
+          <p:cNvPr id="7" name="接點: 肘形 6">
+            <a:extLst>
+              <a:ext uri="{FF2B5EF4-FFF2-40B4-BE49-F238E27FC236}">
+                <a16:creationId xmlns:a16="http://schemas.microsoft.com/office/drawing/2014/main" id="{4067C387-9D46-4F92-AE05-F173751A02DD}"/>
+              </a:ext>
+            </a:extLst>
+          </p:cNvPr>
+          <p:cNvCxnSpPr>
+            <a:stCxn id="2" idx="1"/>
+            <a:endCxn id="6" idx="3"/>
+          </p:cNvCxnSpPr>
+          <p:nvPr/>
+        </p:nvCxnSpPr>
+        <p:spPr>
+          <a:xfrm rot="10800000" flipV="1">
+            <a:off x="5409733" y="881592"/>
+            <a:ext cx="1483192" cy="725752"/>
+          </a:xfrm>
+          <a:prstGeom prst="bentConnector3">
+            <a:avLst/>
+          </a:prstGeom>
+          <a:ln>
+            <a:solidFill>
+              <a:srgbClr val="FF0000"/>
+            </a:solidFill>
+            <a:tailEnd type="triangle"/>
+          </a:ln>
+        </p:spPr>
+        <p:style>
+          <a:lnRef idx="1">
+            <a:schemeClr val="accent1"/>
+          </a:lnRef>
+          <a:fillRef idx="0">
+            <a:schemeClr val="accent1"/>
+          </a:fillRef>
+          <a:effectRef idx="0">
+            <a:schemeClr val="accent1"/>
+          </a:effectRef>
+          <a:fontRef idx="minor">
+            <a:schemeClr val="tx1"/>
+          </a:fontRef>
+        </p:style>
+      </p:cxnSp>
+      <p:sp>
+        <p:nvSpPr>
+          <p:cNvPr id="8" name="矩形 7">
+            <a:extLst>
+              <a:ext uri="{FF2B5EF4-FFF2-40B4-BE49-F238E27FC236}">
+                <a16:creationId xmlns:a16="http://schemas.microsoft.com/office/drawing/2014/main" id="{ABF76C9A-D791-4751-B455-97E71D02EF5B}"/>
+              </a:ext>
+            </a:extLst>
+          </p:cNvPr>
+          <p:cNvSpPr/>
+          <p:nvPr/>
+        </p:nvSpPr>
+        <p:spPr>
+          <a:xfrm>
+            <a:off x="294856" y="2281238"/>
+            <a:ext cx="5114877" cy="972503"/>
+          </a:xfrm>
+          <a:prstGeom prst="rect">
+            <a:avLst/>
+          </a:prstGeom>
+          <a:noFill/>
+          <a:ln w="31750">
+            <a:solidFill>
+              <a:srgbClr val="FF0000"/>
+            </a:solidFill>
+          </a:ln>
+        </p:spPr>
+        <p:style>
+          <a:lnRef idx="2">
+            <a:schemeClr val="accent1">
+              <a:shade val="50000"/>
+            </a:schemeClr>
+          </a:lnRef>
+          <a:fillRef idx="1">
+            <a:schemeClr val="accent1"/>
+          </a:fillRef>
+          <a:effectRef idx="0">
+            <a:schemeClr val="accent1"/>
+          </a:effectRef>
+          <a:fontRef idx="minor">
+            <a:schemeClr val="lt1"/>
+          </a:fontRef>
+        </p:style>
+        <p:txBody>
+          <a:bodyPr rtlCol="0" anchor="ctr"/>
+          <a:lstStyle/>
+          <a:p>
+            <a:pPr algn="ctr"/>
+            <a:endParaRPr lang="zh-TW" altLang="en-US"/>
+          </a:p>
+        </p:txBody>
+      </p:sp>
+      <p:sp>
+        <p:nvSpPr>
+          <p:cNvPr id="9" name="矩形 8">
+            <a:extLst>
+              <a:ext uri="{FF2B5EF4-FFF2-40B4-BE49-F238E27FC236}">
+                <a16:creationId xmlns:a16="http://schemas.microsoft.com/office/drawing/2014/main" id="{9F68F88C-01E8-42B4-AA2C-B43DF37DEB7B}"/>
+              </a:ext>
+            </a:extLst>
+          </p:cNvPr>
+          <p:cNvSpPr/>
+          <p:nvPr/>
+        </p:nvSpPr>
+        <p:spPr>
+          <a:xfrm>
+            <a:off x="6892925" y="1441451"/>
+            <a:ext cx="1997075" cy="839788"/>
+          </a:xfrm>
+          <a:prstGeom prst="rect">
+            <a:avLst/>
+          </a:prstGeom>
+          <a:noFill/>
+          <a:ln w="6350">
+            <a:solidFill>
+              <a:srgbClr val="FF0000"/>
+            </a:solidFill>
+          </a:ln>
+        </p:spPr>
+        <p:style>
+          <a:lnRef idx="2">
+            <a:schemeClr val="accent1">
+              <a:shade val="50000"/>
+            </a:schemeClr>
+          </a:lnRef>
+          <a:fillRef idx="1">
+            <a:schemeClr val="accent1"/>
+          </a:fillRef>
+          <a:effectRef idx="0">
+            <a:schemeClr val="accent1"/>
+          </a:effectRef>
+          <a:fontRef idx="minor">
+            <a:schemeClr val="lt1"/>
+          </a:fontRef>
+        </p:style>
+        <p:txBody>
+          <a:bodyPr rtlCol="0" anchor="ctr"/>
+          <a:lstStyle/>
+          <a:p>
+            <a:pPr algn="ctr"/>
+            <a:endParaRPr lang="zh-TW" altLang="en-US"/>
+          </a:p>
+        </p:txBody>
+      </p:sp>
+      <p:cxnSp>
+        <p:nvCxnSpPr>
+          <p:cNvPr id="11" name="接點: 肘形 10">
+            <a:extLst>
+              <a:ext uri="{FF2B5EF4-FFF2-40B4-BE49-F238E27FC236}">
+                <a16:creationId xmlns:a16="http://schemas.microsoft.com/office/drawing/2014/main" id="{894D551F-11A0-4EC7-8544-3D72ED2DA1A0}"/>
+              </a:ext>
+            </a:extLst>
+          </p:cNvPr>
+          <p:cNvCxnSpPr>
+            <a:stCxn id="9" idx="1"/>
+          </p:cNvCxnSpPr>
+          <p:nvPr/>
+        </p:nvCxnSpPr>
+        <p:spPr>
+          <a:xfrm rot="10800000" flipV="1">
+            <a:off x="5409733" y="1861344"/>
+            <a:ext cx="1483192" cy="904715"/>
+          </a:xfrm>
+          <a:prstGeom prst="bentConnector3">
+            <a:avLst/>
+          </a:prstGeom>
+          <a:ln>
+            <a:solidFill>
+              <a:srgbClr val="FF0000"/>
+            </a:solidFill>
+            <a:tailEnd type="triangle"/>
+          </a:ln>
+        </p:spPr>
+        <p:style>
+          <a:lnRef idx="1">
+            <a:schemeClr val="accent1"/>
+          </a:lnRef>
+          <a:fillRef idx="0">
+            <a:schemeClr val="accent1"/>
+          </a:fillRef>
+          <a:effectRef idx="0">
+            <a:schemeClr val="accent1"/>
+          </a:effectRef>
+          <a:fontRef idx="minor">
+            <a:schemeClr val="tx1"/>
+          </a:fontRef>
+        </p:style>
+      </p:cxnSp>
+      <p:sp>
+        <p:nvSpPr>
+          <p:cNvPr id="12" name="矩形 11">
+            <a:extLst>
+              <a:ext uri="{FF2B5EF4-FFF2-40B4-BE49-F238E27FC236}">
+                <a16:creationId xmlns:a16="http://schemas.microsoft.com/office/drawing/2014/main" id="{27BBFFFE-080F-4938-AF98-5E76B9384994}"/>
+              </a:ext>
+            </a:extLst>
+          </p:cNvPr>
+          <p:cNvSpPr/>
+          <p:nvPr/>
+        </p:nvSpPr>
+        <p:spPr>
+          <a:xfrm>
+            <a:off x="6892925" y="2281238"/>
+            <a:ext cx="1997075" cy="1460182"/>
+          </a:xfrm>
+          <a:prstGeom prst="rect">
+            <a:avLst/>
+          </a:prstGeom>
+          <a:noFill/>
+          <a:ln w="6350">
+            <a:solidFill>
+              <a:srgbClr val="FF0000"/>
+            </a:solidFill>
+          </a:ln>
+        </p:spPr>
+        <p:style>
+          <a:lnRef idx="2">
+            <a:schemeClr val="accent1">
+              <a:shade val="50000"/>
+            </a:schemeClr>
+          </a:lnRef>
+          <a:fillRef idx="1">
+            <a:schemeClr val="accent1"/>
+          </a:fillRef>
+          <a:effectRef idx="0">
+            <a:schemeClr val="accent1"/>
+          </a:effectRef>
+          <a:fontRef idx="minor">
+            <a:schemeClr val="lt1"/>
+          </a:fontRef>
+        </p:style>
+        <p:txBody>
+          <a:bodyPr rtlCol="0" anchor="ctr"/>
+          <a:lstStyle/>
+          <a:p>
+            <a:pPr algn="ctr"/>
+            <a:endParaRPr lang="zh-TW" altLang="en-US"/>
+          </a:p>
+        </p:txBody>
+      </p:sp>
+      <p:sp>
+        <p:nvSpPr>
+          <p:cNvPr id="13" name="矩形 12">
+            <a:extLst>
+              <a:ext uri="{FF2B5EF4-FFF2-40B4-BE49-F238E27FC236}">
+                <a16:creationId xmlns:a16="http://schemas.microsoft.com/office/drawing/2014/main" id="{13480F3E-97A6-46E0-A779-E22F3AB733C4}"/>
+              </a:ext>
+            </a:extLst>
+          </p:cNvPr>
+          <p:cNvSpPr/>
+          <p:nvPr/>
+        </p:nvSpPr>
+        <p:spPr>
+          <a:xfrm>
+            <a:off x="294855" y="4270375"/>
+            <a:ext cx="5114877" cy="1906968"/>
+          </a:xfrm>
+          <a:prstGeom prst="rect">
+            <a:avLst/>
+          </a:prstGeom>
+          <a:noFill/>
+          <a:ln w="31750">
+            <a:solidFill>
+              <a:srgbClr val="FF0000"/>
+            </a:solidFill>
+          </a:ln>
+        </p:spPr>
+        <p:style>
+          <a:lnRef idx="2">
+            <a:schemeClr val="accent1">
+              <a:shade val="50000"/>
+            </a:schemeClr>
+          </a:lnRef>
+          <a:fillRef idx="1">
+            <a:schemeClr val="accent1"/>
+          </a:fillRef>
+          <a:effectRef idx="0">
+            <a:schemeClr val="accent1"/>
+          </a:effectRef>
+          <a:fontRef idx="minor">
+            <a:schemeClr val="lt1"/>
+          </a:fontRef>
+        </p:style>
+        <p:txBody>
+          <a:bodyPr rtlCol="0" anchor="ctr"/>
+          <a:lstStyle/>
+          <a:p>
+            <a:pPr algn="ctr"/>
+            <a:endParaRPr lang="zh-TW" altLang="en-US"/>
+          </a:p>
+        </p:txBody>
+      </p:sp>
+      <p:cxnSp>
+        <p:nvCxnSpPr>
+          <p:cNvPr id="15" name="接點: 肘形 14">
+            <a:extLst>
+              <a:ext uri="{FF2B5EF4-FFF2-40B4-BE49-F238E27FC236}">
+                <a16:creationId xmlns:a16="http://schemas.microsoft.com/office/drawing/2014/main" id="{078FE7BD-CBDB-45F4-9623-FF4EE4DF5375}"/>
+              </a:ext>
+            </a:extLst>
+          </p:cNvPr>
+          <p:cNvCxnSpPr>
+            <a:stCxn id="12" idx="1"/>
+            <a:endCxn id="13" idx="3"/>
+          </p:cNvCxnSpPr>
+          <p:nvPr/>
+        </p:nvCxnSpPr>
+        <p:spPr>
+          <a:xfrm rot="10800000" flipV="1">
+            <a:off x="5409733" y="3011329"/>
+            <a:ext cx="1483193" cy="2212530"/>
+          </a:xfrm>
+          <a:prstGeom prst="bentConnector3">
+            <a:avLst/>
+          </a:prstGeom>
+          <a:ln>
+            <a:solidFill>
+              <a:srgbClr val="FF0000"/>
+            </a:solidFill>
+            <a:tailEnd type="triangle"/>
+          </a:ln>
+        </p:spPr>
+        <p:style>
+          <a:lnRef idx="1">
+            <a:schemeClr val="accent1"/>
+          </a:lnRef>
+          <a:fillRef idx="0">
+            <a:schemeClr val="accent1"/>
+          </a:fillRef>
+          <a:effectRef idx="0">
+            <a:schemeClr val="accent1"/>
+          </a:effectRef>
+          <a:fontRef idx="minor">
+            <a:schemeClr val="tx1"/>
+          </a:fontRef>
+        </p:style>
+      </p:cxnSp>
     </p:spTree>
     <p:extLst>
       <p:ext uri="{BB962C8B-B14F-4D97-AF65-F5344CB8AC3E}">
         <p14:creationId xmlns:p14="http://schemas.microsoft.com/office/powerpoint/2010/main" val="3173650237"/>
+      </p:ext>
+    </p:extLst>
+  </p:cSld>
+  <p:clrMapOvr>
+    <a:masterClrMapping/>
+  </p:clrMapOvr>
+</p:sld>
+</file>
+
+<file path=ppt/slides/slide3.xml><?xml version="1.0" encoding="utf-8"?>
+<p:sld xmlns:a="http://schemas.openxmlformats.org/drawingml/2006/main" xmlns:r="http://schemas.openxmlformats.org/officeDocument/2006/relationships" xmlns:p="http://schemas.openxmlformats.org/presentationml/2006/main">
+  <p:cSld>
+    <p:spTree>
+      <p:nvGrpSpPr>
+        <p:cNvPr id="1" name=""/>
+        <p:cNvGrpSpPr/>
+        <p:nvPr/>
+      </p:nvGrpSpPr>
+      <p:grpSpPr>
+        <a:xfrm>
+          <a:off x="0" y="0"/>
+          <a:ext cx="0" cy="0"/>
+          <a:chOff x="0" y="0"/>
+          <a:chExt cx="0" cy="0"/>
+        </a:xfrm>
+      </p:grpSpPr>
+      <p:sp>
+        <p:nvSpPr>
+          <p:cNvPr id="3" name="文字方塊 2">
+            <a:extLst>
+              <a:ext uri="{FF2B5EF4-FFF2-40B4-BE49-F238E27FC236}">
+                <a16:creationId xmlns:a16="http://schemas.microsoft.com/office/drawing/2014/main" id="{C2F96A1E-D5FB-4348-AF9B-2F6797967BE8}"/>
+              </a:ext>
+            </a:extLst>
+          </p:cNvPr>
+          <p:cNvSpPr txBox="1"/>
+          <p:nvPr/>
+        </p:nvSpPr>
+        <p:spPr>
+          <a:xfrm>
+            <a:off x="6724650" y="169196"/>
+            <a:ext cx="4277647" cy="6247864"/>
+          </a:xfrm>
+          <a:prstGeom prst="rect">
+            <a:avLst/>
+          </a:prstGeom>
+          <a:noFill/>
+          <a:ln>
+            <a:solidFill>
+              <a:schemeClr val="tx1"/>
+            </a:solidFill>
+          </a:ln>
+        </p:spPr>
+        <p:txBody>
+          <a:bodyPr wrap="square">
+            <a:spAutoFit/>
+          </a:bodyPr>
+          <a:lstStyle/>
+          <a:p>
+            <a:r>
+              <a:rPr lang="zh-TW" altLang="en-US" sz="800" dirty="0"/>
+              <a:t>{</a:t>
+            </a:r>
+          </a:p>
+          <a:p>
+            <a:r>
+              <a:rPr lang="zh-TW" altLang="en-US" sz="800" dirty="0"/>
+              <a:t>    "ContactWindowAndSupervisorInformation": {</a:t>
+            </a:r>
+          </a:p>
+          <a:p>
+            <a:r>
+              <a:rPr lang="zh-TW" altLang="en-US" sz="800" dirty="0"/>
+              <a:t>        "Company": "CHT",</a:t>
+            </a:r>
+          </a:p>
+          <a:p>
+            <a:r>
+              <a:rPr lang="zh-TW" altLang="en-US" sz="800" dirty="0"/>
+              <a:t>        "Address": "test-address",</a:t>
+            </a:r>
+          </a:p>
+          <a:p>
+            <a:r>
+              <a:rPr lang="zh-TW" altLang="en-US" sz="800" dirty="0"/>
+              <a:t>        "Tel": "123456789",</a:t>
+            </a:r>
+          </a:p>
+          <a:p>
+            <a:r>
+              <a:rPr lang="zh-TW" altLang="en-US" sz="800" dirty="0"/>
+              <a:t>        "Fax": "123456789",</a:t>
+            </a:r>
+          </a:p>
+          <a:p>
+            <a:r>
+              <a:rPr lang="zh-TW" altLang="en-US" sz="800" dirty="0"/>
+              <a:t>        "DirectorName": "郭贊章",</a:t>
+            </a:r>
+          </a:p>
+          <a:p>
+            <a:r>
+              <a:rPr lang="zh-TW" altLang="en-US" sz="800" dirty="0"/>
+              <a:t>        "DTel": "123456789",</a:t>
+            </a:r>
+          </a:p>
+          <a:p>
+            <a:r>
+              <a:rPr lang="zh-TW" altLang="en-US" sz="800" dirty="0"/>
+              <a:t>        "DFax": "123456789"</a:t>
+            </a:r>
+          </a:p>
+          <a:p>
+            <a:r>
+              <a:rPr lang="zh-TW" altLang="en-US" sz="800" dirty="0"/>
+              <a:t>    },</a:t>
+            </a:r>
+          </a:p>
+          <a:p>
+            <a:r>
+              <a:rPr lang="zh-TW" altLang="en-US" sz="800" dirty="0"/>
+              <a:t>    "PartyInformation": {</a:t>
+            </a:r>
+          </a:p>
+          <a:p>
+            <a:r>
+              <a:rPr lang="zh-TW" altLang="en-US" sz="800" dirty="0"/>
+              <a:t>        "Company": "Edge Company",</a:t>
+            </a:r>
+          </a:p>
+          <a:p>
+            <a:r>
+              <a:rPr lang="zh-TW" altLang="en-US" sz="800" dirty="0"/>
+              <a:t>        "Address": "test address",</a:t>
+            </a:r>
+          </a:p>
+          <a:p>
+            <a:r>
+              <a:rPr lang="zh-TW" altLang="en-US" sz="800" dirty="0"/>
+              <a:t>        "Contact": "test contact name",</a:t>
+            </a:r>
+          </a:p>
+          <a:p>
+            <a:r>
+              <a:rPr lang="zh-TW" altLang="en-US" sz="800" dirty="0"/>
+              <a:t>        "Email": "test@testmail.com",</a:t>
+            </a:r>
+          </a:p>
+          <a:p>
+            <a:r>
+              <a:rPr lang="zh-TW" altLang="en-US" sz="800" dirty="0"/>
+              <a:t>        "Tel": "123456789"</a:t>
+            </a:r>
+          </a:p>
+          <a:p>
+            <a:r>
+              <a:rPr lang="zh-TW" altLang="en-US" sz="800" dirty="0"/>
+              <a:t>    },</a:t>
+            </a:r>
+          </a:p>
+          <a:p>
+            <a:r>
+              <a:rPr lang="zh-TW" altLang="en-US" sz="800" dirty="0"/>
+              <a:t>    "CorporateInformation": {</a:t>
+            </a:r>
+          </a:p>
+          <a:p>
+            <a:r>
+              <a:rPr lang="zh-TW" altLang="en-US" sz="800" dirty="0"/>
+              <a:t>        "Name": "test-name",</a:t>
+            </a:r>
+          </a:p>
+          <a:p>
+            <a:r>
+              <a:rPr lang="zh-TW" altLang="en-US" sz="800" dirty="0"/>
+              <a:t>        "Branch": "test-branch",</a:t>
+            </a:r>
+          </a:p>
+          <a:p>
+            <a:r>
+              <a:rPr lang="zh-TW" altLang="en-US" sz="800" dirty="0"/>
+              <a:t>        "Address": "test-address",</a:t>
+            </a:r>
+          </a:p>
+          <a:p>
+            <a:r>
+              <a:rPr lang="zh-TW" altLang="en-US" sz="800" dirty="0"/>
+              <a:t>        "AcctName": "test-acctname",</a:t>
+            </a:r>
+          </a:p>
+          <a:p>
+            <a:r>
+              <a:rPr lang="zh-TW" altLang="en-US" sz="800" dirty="0"/>
+              <a:t>        "AcctNo": "test-acctno",</a:t>
+            </a:r>
+          </a:p>
+          <a:p>
+            <a:r>
+              <a:rPr lang="zh-TW" altLang="en-US" sz="800" dirty="0"/>
+              <a:t>        "SavingAcctNo": "test-savingaccntno",</a:t>
+            </a:r>
+          </a:p>
+          <a:p>
+            <a:r>
+              <a:rPr lang="zh-TW" altLang="en-US" sz="800" dirty="0"/>
+              <a:t>        "IBAN": "test-iban",</a:t>
+            </a:r>
+          </a:p>
+          <a:p>
+            <a:r>
+              <a:rPr lang="zh-TW" altLang="en-US" sz="800" dirty="0"/>
+              <a:t>        "SWIFTCode": "test-swiftcode",</a:t>
+            </a:r>
+          </a:p>
+          <a:p>
+            <a:r>
+              <a:rPr lang="zh-TW" altLang="en-US" sz="800" dirty="0"/>
+              <a:t>        "ACHNo": "test-achno",</a:t>
+            </a:r>
+          </a:p>
+          <a:p>
+            <a:r>
+              <a:rPr lang="zh-TW" altLang="en-US" sz="800" dirty="0"/>
+              <a:t>        "WireRouting": "test-wirerouting"</a:t>
+            </a:r>
+          </a:p>
+          <a:p>
+            <a:r>
+              <a:rPr lang="zh-TW" altLang="en-US" sz="800" dirty="0"/>
+              <a:t>    },</a:t>
+            </a:r>
+          </a:p>
+          <a:p>
+            <a:r>
+              <a:rPr lang="zh-TW" altLang="en-US" sz="800" dirty="0"/>
+              <a:t>    "DetailInformation": [</a:t>
+            </a:r>
+          </a:p>
+          <a:p>
+            <a:r>
+              <a:rPr lang="zh-TW" altLang="en-US" sz="800" dirty="0"/>
+              <a:t>        {</a:t>
+            </a:r>
+          </a:p>
+          <a:p>
+            <a:r>
+              <a:rPr lang="zh-TW" altLang="en-US" sz="800" dirty="0"/>
+              <a:t>            "Supplier": "NEC",</a:t>
+            </a:r>
+          </a:p>
+          <a:p>
+            <a:r>
+              <a:rPr lang="zh-TW" altLang="en-US" sz="800" dirty="0"/>
+              <a:t>            "InvNumber": "02CO-EG2303251517",</a:t>
+            </a:r>
+          </a:p>
+          <a:p>
+            <a:r>
+              <a:rPr lang="zh-TW" altLang="en-US" sz="800" dirty="0"/>
+              <a:t>            "Description": "BM9a Sea cable manufactured (except 8.5km spare cable))- Equipment",</a:t>
+            </a:r>
+          </a:p>
+          <a:p>
+            <a:r>
+              <a:rPr lang="zh-TW" altLang="en-US" sz="800" dirty="0"/>
+              <a:t>            "AmountBilled": 1288822.32,</a:t>
+            </a:r>
+          </a:p>
+          <a:p>
+            <a:r>
+              <a:rPr lang="zh-TW" altLang="en-US" sz="800" dirty="0"/>
+              <a:t>            "Liability": 28.5714285714,</a:t>
+            </a:r>
+          </a:p>
+          <a:p>
+            <a:r>
+              <a:rPr lang="zh-TW" altLang="en-US" sz="800" dirty="0"/>
+              <a:t>            "YourShare": 368234.95</a:t>
+            </a:r>
+          </a:p>
+          <a:p>
+            <a:r>
+              <a:rPr lang="zh-TW" altLang="en-US" sz="800" dirty="0"/>
+              <a:t>        },</a:t>
+            </a:r>
+          </a:p>
+          <a:p>
+            <a:r>
+              <a:rPr lang="zh-TW" altLang="en-US" sz="800" dirty="0"/>
+              <a:t>        {</a:t>
+            </a:r>
+          </a:p>
+          <a:p>
+            <a:r>
+              <a:rPr lang="zh-TW" altLang="en-US" sz="800" dirty="0"/>
+              <a:t>            "Supplier": "NEC",</a:t>
+            </a:r>
+          </a:p>
+          <a:p>
+            <a:r>
+              <a:rPr lang="zh-TW" altLang="en-US" sz="800" dirty="0"/>
+              <a:t>            "InvNumber": "02CO-EG2303251517",</a:t>
+            </a:r>
+          </a:p>
+          <a:p>
+            <a:r>
+              <a:rPr lang="zh-TW" altLang="en-US" sz="800" dirty="0"/>
+              <a:t>            "Description": "BM9a Sea cable manufactured (except 8.5km spare cable))- Service",</a:t>
+            </a:r>
+          </a:p>
+          <a:p>
+            <a:r>
+              <a:rPr lang="zh-TW" altLang="en-US" sz="800" dirty="0"/>
+              <a:t>            "AmountBilled": 1178227.94,</a:t>
+            </a:r>
+          </a:p>
+          <a:p>
+            <a:r>
+              <a:rPr lang="zh-TW" altLang="en-US" sz="800" dirty="0"/>
+              <a:t>            "Liability": 28.5714285714,</a:t>
+            </a:r>
+          </a:p>
+          <a:p>
+            <a:r>
+              <a:rPr lang="zh-TW" altLang="en-US" sz="800" dirty="0"/>
+              <a:t>            "YourShare": 336636.55</a:t>
+            </a:r>
+          </a:p>
+          <a:p>
+            <a:r>
+              <a:rPr lang="zh-TW" altLang="en-US" sz="800" dirty="0"/>
+              <a:t>        },</a:t>
+            </a:r>
+            <a:endParaRPr lang="en-US" altLang="zh-TW" sz="800" dirty="0"/>
+          </a:p>
+          <a:p>
+            <a:r>
+              <a:rPr lang="en-US" altLang="zh-TW" sz="800" dirty="0"/>
+              <a:t>        {…}</a:t>
+            </a:r>
+            <a:endParaRPr lang="zh-TW" altLang="en-US" sz="800" dirty="0"/>
+          </a:p>
+          <a:p>
+            <a:r>
+              <a:rPr lang="zh-TW" altLang="en-US" sz="800" dirty="0"/>
+              <a:t>    ],</a:t>
+            </a:r>
+          </a:p>
+          <a:p>
+            <a:r>
+              <a:rPr lang="zh-TW" altLang="en-US" sz="800" dirty="0"/>
+              <a:t>    "InvoiceNo": "02CO-EG2303251517"</a:t>
+            </a:r>
+          </a:p>
+          <a:p>
+            <a:r>
+              <a:rPr lang="zh-TW" altLang="en-US" sz="800" dirty="0"/>
+              <a:t>}</a:t>
+            </a:r>
+          </a:p>
+        </p:txBody>
+      </p:sp>
+      <p:pic>
+        <p:nvPicPr>
+          <p:cNvPr id="14" name="圖片 13">
+            <a:extLst>
+              <a:ext uri="{FF2B5EF4-FFF2-40B4-BE49-F238E27FC236}">
+                <a16:creationId xmlns:a16="http://schemas.microsoft.com/office/drawing/2014/main" id="{03D0A081-36AA-468E-A68B-6BF6DB46E29A}"/>
+              </a:ext>
+            </a:extLst>
+          </p:cNvPr>
+          <p:cNvPicPr>
+            <a:picLocks noChangeAspect="1"/>
+          </p:cNvPicPr>
+          <p:nvPr/>
+        </p:nvPicPr>
+        <p:blipFill>
+          <a:blip r:embed="rId2"/>
+          <a:stretch>
+            <a:fillRect/>
+          </a:stretch>
+        </p:blipFill>
+        <p:spPr>
+          <a:xfrm>
+            <a:off x="357159" y="249487"/>
+            <a:ext cx="4639714" cy="6692385"/>
+          </a:xfrm>
+          <a:prstGeom prst="rect">
+            <a:avLst/>
+          </a:prstGeom>
+        </p:spPr>
+      </p:pic>
+      <p:sp>
+        <p:nvSpPr>
+          <p:cNvPr id="16" name="矩形 15">
+            <a:extLst>
+              <a:ext uri="{FF2B5EF4-FFF2-40B4-BE49-F238E27FC236}">
+                <a16:creationId xmlns:a16="http://schemas.microsoft.com/office/drawing/2014/main" id="{2C3542FF-10A7-41F6-88E4-A7B95D36EB8A}"/>
+              </a:ext>
+            </a:extLst>
+          </p:cNvPr>
+          <p:cNvSpPr/>
+          <p:nvPr/>
+        </p:nvSpPr>
+        <p:spPr>
+          <a:xfrm>
+            <a:off x="6976052" y="3851420"/>
+            <a:ext cx="3812021" cy="997671"/>
+          </a:xfrm>
+          <a:prstGeom prst="rect">
+            <a:avLst/>
+          </a:prstGeom>
+          <a:noFill/>
+          <a:ln w="6350">
+            <a:solidFill>
+              <a:srgbClr val="FF0000"/>
+            </a:solidFill>
+          </a:ln>
+        </p:spPr>
+        <p:style>
+          <a:lnRef idx="2">
+            <a:schemeClr val="accent1">
+              <a:shade val="50000"/>
+            </a:schemeClr>
+          </a:lnRef>
+          <a:fillRef idx="1">
+            <a:schemeClr val="accent1"/>
+          </a:fillRef>
+          <a:effectRef idx="0">
+            <a:schemeClr val="accent1"/>
+          </a:effectRef>
+          <a:fontRef idx="minor">
+            <a:schemeClr val="lt1"/>
+          </a:fontRef>
+        </p:style>
+        <p:txBody>
+          <a:bodyPr rtlCol="0" anchor="ctr"/>
+          <a:lstStyle/>
+          <a:p>
+            <a:pPr algn="ctr"/>
+            <a:endParaRPr lang="zh-TW" altLang="en-US"/>
+          </a:p>
+        </p:txBody>
+      </p:sp>
+      <p:sp>
+        <p:nvSpPr>
+          <p:cNvPr id="17" name="矩形 16">
+            <a:extLst>
+              <a:ext uri="{FF2B5EF4-FFF2-40B4-BE49-F238E27FC236}">
+                <a16:creationId xmlns:a16="http://schemas.microsoft.com/office/drawing/2014/main" id="{6EE6C27E-C646-457F-8065-1DED4080F14E}"/>
+              </a:ext>
+            </a:extLst>
+          </p:cNvPr>
+          <p:cNvSpPr/>
+          <p:nvPr/>
+        </p:nvSpPr>
+        <p:spPr>
+          <a:xfrm>
+            <a:off x="461818" y="3352584"/>
+            <a:ext cx="4461164" cy="240361"/>
+          </a:xfrm>
+          <a:prstGeom prst="rect">
+            <a:avLst/>
+          </a:prstGeom>
+          <a:noFill/>
+          <a:ln w="19050">
+            <a:solidFill>
+              <a:srgbClr val="FF0000"/>
+            </a:solidFill>
+          </a:ln>
+        </p:spPr>
+        <p:style>
+          <a:lnRef idx="2">
+            <a:schemeClr val="accent1">
+              <a:shade val="50000"/>
+            </a:schemeClr>
+          </a:lnRef>
+          <a:fillRef idx="1">
+            <a:schemeClr val="accent1"/>
+          </a:fillRef>
+          <a:effectRef idx="0">
+            <a:schemeClr val="accent1"/>
+          </a:effectRef>
+          <a:fontRef idx="minor">
+            <a:schemeClr val="lt1"/>
+          </a:fontRef>
+        </p:style>
+        <p:txBody>
+          <a:bodyPr rtlCol="0" anchor="ctr"/>
+          <a:lstStyle/>
+          <a:p>
+            <a:pPr algn="ctr"/>
+            <a:endParaRPr lang="zh-TW" altLang="en-US"/>
+          </a:p>
+        </p:txBody>
+      </p:sp>
+      <p:cxnSp>
+        <p:nvCxnSpPr>
+          <p:cNvPr id="18" name="接點: 肘形 17">
+            <a:extLst>
+              <a:ext uri="{FF2B5EF4-FFF2-40B4-BE49-F238E27FC236}">
+                <a16:creationId xmlns:a16="http://schemas.microsoft.com/office/drawing/2014/main" id="{B2AA8C58-B8F6-42D2-A96E-CA1C67CD3432}"/>
+              </a:ext>
+            </a:extLst>
+          </p:cNvPr>
+          <p:cNvCxnSpPr>
+            <a:stCxn id="16" idx="1"/>
+            <a:endCxn id="17" idx="3"/>
+          </p:cNvCxnSpPr>
+          <p:nvPr/>
+        </p:nvCxnSpPr>
+        <p:spPr>
+          <a:xfrm rot="10800000">
+            <a:off x="4922982" y="3472766"/>
+            <a:ext cx="2053070" cy="877491"/>
+          </a:xfrm>
+          <a:prstGeom prst="bentConnector3">
+            <a:avLst/>
+          </a:prstGeom>
+          <a:ln>
+            <a:solidFill>
+              <a:srgbClr val="FF0000"/>
+            </a:solidFill>
+            <a:tailEnd type="triangle"/>
+          </a:ln>
+        </p:spPr>
+        <p:style>
+          <a:lnRef idx="1">
+            <a:schemeClr val="accent1"/>
+          </a:lnRef>
+          <a:fillRef idx="0">
+            <a:schemeClr val="accent1"/>
+          </a:fillRef>
+          <a:effectRef idx="0">
+            <a:schemeClr val="accent1"/>
+          </a:effectRef>
+          <a:fontRef idx="minor">
+            <a:schemeClr val="tx1"/>
+          </a:fontRef>
+        </p:style>
+      </p:cxnSp>
+      <p:sp>
+        <p:nvSpPr>
+          <p:cNvPr id="19" name="矩形 18">
+            <a:extLst>
+              <a:ext uri="{FF2B5EF4-FFF2-40B4-BE49-F238E27FC236}">
+                <a16:creationId xmlns:a16="http://schemas.microsoft.com/office/drawing/2014/main" id="{BAA2AD73-37E6-4D95-9E06-3A66EB00D203}"/>
+              </a:ext>
+            </a:extLst>
+          </p:cNvPr>
+          <p:cNvSpPr/>
+          <p:nvPr/>
+        </p:nvSpPr>
+        <p:spPr>
+          <a:xfrm>
+            <a:off x="6888308" y="6069805"/>
+            <a:ext cx="1572202" cy="109321"/>
+          </a:xfrm>
+          <a:prstGeom prst="rect">
+            <a:avLst/>
+          </a:prstGeom>
+          <a:noFill/>
+          <a:ln w="6350">
+            <a:solidFill>
+              <a:srgbClr val="FF0000"/>
+            </a:solidFill>
+          </a:ln>
+        </p:spPr>
+        <p:style>
+          <a:lnRef idx="2">
+            <a:schemeClr val="accent1">
+              <a:shade val="50000"/>
+            </a:schemeClr>
+          </a:lnRef>
+          <a:fillRef idx="1">
+            <a:schemeClr val="accent1"/>
+          </a:fillRef>
+          <a:effectRef idx="0">
+            <a:schemeClr val="accent1"/>
+          </a:effectRef>
+          <a:fontRef idx="minor">
+            <a:schemeClr val="lt1"/>
+          </a:fontRef>
+        </p:style>
+        <p:txBody>
+          <a:bodyPr rtlCol="0" anchor="ctr"/>
+          <a:lstStyle/>
+          <a:p>
+            <a:pPr algn="ctr"/>
+            <a:endParaRPr lang="zh-TW" altLang="en-US"/>
+          </a:p>
+        </p:txBody>
+      </p:sp>
+      <p:sp>
+        <p:nvSpPr>
+          <p:cNvPr id="20" name="矩形: 圓角 19">
+            <a:extLst>
+              <a:ext uri="{FF2B5EF4-FFF2-40B4-BE49-F238E27FC236}">
+                <a16:creationId xmlns:a16="http://schemas.microsoft.com/office/drawing/2014/main" id="{70F1E0B6-4CEE-4C6F-8DC0-FED393E7EA68}"/>
+              </a:ext>
+            </a:extLst>
+          </p:cNvPr>
+          <p:cNvSpPr/>
+          <p:nvPr/>
+        </p:nvSpPr>
+        <p:spPr>
+          <a:xfrm>
+            <a:off x="3557588" y="2069306"/>
+            <a:ext cx="726281" cy="119063"/>
+          </a:xfrm>
+          <a:prstGeom prst="roundRect">
+            <a:avLst/>
+          </a:prstGeom>
+          <a:noFill/>
+          <a:ln>
+            <a:solidFill>
+              <a:srgbClr val="FF0000"/>
+            </a:solidFill>
+          </a:ln>
+        </p:spPr>
+        <p:style>
+          <a:lnRef idx="2">
+            <a:schemeClr val="accent1">
+              <a:shade val="50000"/>
+            </a:schemeClr>
+          </a:lnRef>
+          <a:fillRef idx="1">
+            <a:schemeClr val="accent1"/>
+          </a:fillRef>
+          <a:effectRef idx="0">
+            <a:schemeClr val="accent1"/>
+          </a:effectRef>
+          <a:fontRef idx="minor">
+            <a:schemeClr val="lt1"/>
+          </a:fontRef>
+        </p:style>
+        <p:txBody>
+          <a:bodyPr rtlCol="0" anchor="ctr"/>
+          <a:lstStyle/>
+          <a:p>
+            <a:pPr algn="ctr"/>
+            <a:endParaRPr lang="zh-TW" altLang="en-US"/>
+          </a:p>
+        </p:txBody>
+      </p:sp>
+      <p:cxnSp>
+        <p:nvCxnSpPr>
+          <p:cNvPr id="22" name="接點: 肘形 21">
+            <a:extLst>
+              <a:ext uri="{FF2B5EF4-FFF2-40B4-BE49-F238E27FC236}">
+                <a16:creationId xmlns:a16="http://schemas.microsoft.com/office/drawing/2014/main" id="{D5DAA26D-38DC-4964-9849-65233A3B21E9}"/>
+              </a:ext>
+            </a:extLst>
+          </p:cNvPr>
+          <p:cNvCxnSpPr>
+            <a:stCxn id="19" idx="1"/>
+            <a:endCxn id="20" idx="3"/>
+          </p:cNvCxnSpPr>
+          <p:nvPr/>
+        </p:nvCxnSpPr>
+        <p:spPr>
+          <a:xfrm rot="10800000">
+            <a:off x="4283870" y="2128838"/>
+            <a:ext cx="2604439" cy="3995628"/>
+          </a:xfrm>
+          <a:prstGeom prst="bentConnector3">
+            <a:avLst/>
+          </a:prstGeom>
+          <a:ln>
+            <a:solidFill>
+              <a:srgbClr val="FF0000"/>
+            </a:solidFill>
+            <a:tailEnd type="triangle"/>
+          </a:ln>
+        </p:spPr>
+        <p:style>
+          <a:lnRef idx="1">
+            <a:schemeClr val="accent1"/>
+          </a:lnRef>
+          <a:fillRef idx="0">
+            <a:schemeClr val="accent1"/>
+          </a:fillRef>
+          <a:effectRef idx="0">
+            <a:schemeClr val="accent1"/>
+          </a:effectRef>
+          <a:fontRef idx="minor">
+            <a:schemeClr val="tx1"/>
+          </a:fontRef>
+        </p:style>
+      </p:cxnSp>
+    </p:spTree>
+    <p:extLst>
+      <p:ext uri="{BB962C8B-B14F-4D97-AF65-F5344CB8AC3E}">
+        <p14:creationId xmlns:p14="http://schemas.microsoft.com/office/powerpoint/2010/main" val="2556034542"/>
       </p:ext>
     </p:extLst>
   </p:cSld>

--- a/CBP專案/帳單API/帳單Draft API.pptx
+++ b/CBP專案/帳單API/帳單Draft API.pptx
@@ -6,8 +6,9 @@
   </p:sldMasterIdLst>
   <p:sldIdLst>
     <p:sldId id="256" r:id="rId2"/>
-    <p:sldId id="257" r:id="rId3"/>
-    <p:sldId id="258" r:id="rId4"/>
+    <p:sldId id="259" r:id="rId3"/>
+    <p:sldId id="257" r:id="rId4"/>
+    <p:sldId id="258" r:id="rId5"/>
   </p:sldIdLst>
   <p:sldSz cx="12192000" cy="6858000"/>
   <p:notesSz cx="6858000" cy="9144000"/>
@@ -261,7 +262,7 @@
           <a:p>
             <a:fld id="{AAE5B73C-3B16-43BE-9FBD-D84F32EA9567}" type="datetimeFigureOut">
               <a:rPr lang="zh-TW" altLang="en-US" smtClean="0"/>
-              <a:t>2023/3/25</a:t>
+              <a:t>2023/3/27</a:t>
             </a:fld>
             <a:endParaRPr lang="zh-TW" altLang="en-US"/>
           </a:p>
@@ -459,7 +460,7 @@
           <a:p>
             <a:fld id="{AAE5B73C-3B16-43BE-9FBD-D84F32EA9567}" type="datetimeFigureOut">
               <a:rPr lang="zh-TW" altLang="en-US" smtClean="0"/>
-              <a:t>2023/3/25</a:t>
+              <a:t>2023/3/27</a:t>
             </a:fld>
             <a:endParaRPr lang="zh-TW" altLang="en-US"/>
           </a:p>
@@ -667,7 +668,7 @@
           <a:p>
             <a:fld id="{AAE5B73C-3B16-43BE-9FBD-D84F32EA9567}" type="datetimeFigureOut">
               <a:rPr lang="zh-TW" altLang="en-US" smtClean="0"/>
-              <a:t>2023/3/25</a:t>
+              <a:t>2023/3/27</a:t>
             </a:fld>
             <a:endParaRPr lang="zh-TW" altLang="en-US"/>
           </a:p>
@@ -865,7 +866,7 @@
           <a:p>
             <a:fld id="{AAE5B73C-3B16-43BE-9FBD-D84F32EA9567}" type="datetimeFigureOut">
               <a:rPr lang="zh-TW" altLang="en-US" smtClean="0"/>
-              <a:t>2023/3/25</a:t>
+              <a:t>2023/3/27</a:t>
             </a:fld>
             <a:endParaRPr lang="zh-TW" altLang="en-US"/>
           </a:p>
@@ -1140,7 +1141,7 @@
           <a:p>
             <a:fld id="{AAE5B73C-3B16-43BE-9FBD-D84F32EA9567}" type="datetimeFigureOut">
               <a:rPr lang="zh-TW" altLang="en-US" smtClean="0"/>
-              <a:t>2023/3/25</a:t>
+              <a:t>2023/3/27</a:t>
             </a:fld>
             <a:endParaRPr lang="zh-TW" altLang="en-US"/>
           </a:p>
@@ -1405,7 +1406,7 @@
           <a:p>
             <a:fld id="{AAE5B73C-3B16-43BE-9FBD-D84F32EA9567}" type="datetimeFigureOut">
               <a:rPr lang="zh-TW" altLang="en-US" smtClean="0"/>
-              <a:t>2023/3/25</a:t>
+              <a:t>2023/3/27</a:t>
             </a:fld>
             <a:endParaRPr lang="zh-TW" altLang="en-US"/>
           </a:p>
@@ -1817,7 +1818,7 @@
           <a:p>
             <a:fld id="{AAE5B73C-3B16-43BE-9FBD-D84F32EA9567}" type="datetimeFigureOut">
               <a:rPr lang="zh-TW" altLang="en-US" smtClean="0"/>
-              <a:t>2023/3/25</a:t>
+              <a:t>2023/3/27</a:t>
             </a:fld>
             <a:endParaRPr lang="zh-TW" altLang="en-US"/>
           </a:p>
@@ -1958,7 +1959,7 @@
           <a:p>
             <a:fld id="{AAE5B73C-3B16-43BE-9FBD-D84F32EA9567}" type="datetimeFigureOut">
               <a:rPr lang="zh-TW" altLang="en-US" smtClean="0"/>
-              <a:t>2023/3/25</a:t>
+              <a:t>2023/3/27</a:t>
             </a:fld>
             <a:endParaRPr lang="zh-TW" altLang="en-US"/>
           </a:p>
@@ -2071,7 +2072,7 @@
           <a:p>
             <a:fld id="{AAE5B73C-3B16-43BE-9FBD-D84F32EA9567}" type="datetimeFigureOut">
               <a:rPr lang="zh-TW" altLang="en-US" smtClean="0"/>
-              <a:t>2023/3/25</a:t>
+              <a:t>2023/3/27</a:t>
             </a:fld>
             <a:endParaRPr lang="zh-TW" altLang="en-US"/>
           </a:p>
@@ -2382,7 +2383,7 @@
           <a:p>
             <a:fld id="{AAE5B73C-3B16-43BE-9FBD-D84F32EA9567}" type="datetimeFigureOut">
               <a:rPr lang="zh-TW" altLang="en-US" smtClean="0"/>
-              <a:t>2023/3/25</a:t>
+              <a:t>2023/3/27</a:t>
             </a:fld>
             <a:endParaRPr lang="zh-TW" altLang="en-US"/>
           </a:p>
@@ -2670,7 +2671,7 @@
           <a:p>
             <a:fld id="{AAE5B73C-3B16-43BE-9FBD-D84F32EA9567}" type="datetimeFigureOut">
               <a:rPr lang="zh-TW" altLang="en-US" smtClean="0"/>
-              <a:t>2023/3/25</a:t>
+              <a:t>2023/3/27</a:t>
             </a:fld>
             <a:endParaRPr lang="zh-TW" altLang="en-US"/>
           </a:p>
@@ -2911,7 +2912,7 @@
           <a:p>
             <a:fld id="{AAE5B73C-3B16-43BE-9FBD-D84F32EA9567}" type="datetimeFigureOut">
               <a:rPr lang="zh-TW" altLang="en-US" smtClean="0"/>
-              <a:t>2023/3/25</a:t>
+              <a:t>2023/3/27</a:t>
             </a:fld>
             <a:endParaRPr lang="zh-TW" altLang="en-US"/>
           </a:p>
@@ -3419,6 +3420,277 @@
           <a:chExt cx="0" cy="0"/>
         </a:xfrm>
       </p:grpSpPr>
+      <p:sp>
+        <p:nvSpPr>
+          <p:cNvPr id="2" name="標題 1">
+            <a:extLst>
+              <a:ext uri="{FF2B5EF4-FFF2-40B4-BE49-F238E27FC236}">
+                <a16:creationId xmlns:a16="http://schemas.microsoft.com/office/drawing/2014/main" id="{37E2C8D9-288A-4E83-AEED-33AA49521B1A}"/>
+              </a:ext>
+            </a:extLst>
+          </p:cNvPr>
+          <p:cNvSpPr>
+            <a:spLocks noGrp="1"/>
+          </p:cNvSpPr>
+          <p:nvPr>
+            <p:ph type="title"/>
+          </p:nvPr>
+        </p:nvSpPr>
+        <p:spPr/>
+        <p:txBody>
+          <a:bodyPr/>
+          <a:lstStyle/>
+          <a:p>
+            <a:r>
+              <a:rPr lang="zh-TW" altLang="en-US" dirty="0">
+                <a:latin typeface="Times New Roman" panose="02020603050405020304" pitchFamily="18" charset="0"/>
+                <a:ea typeface="標楷體" panose="03000509000000000000" pitchFamily="65" charset="-120"/>
+                <a:cs typeface="Times New Roman" panose="02020603050405020304" pitchFamily="18" charset="0"/>
+              </a:rPr>
+              <a:t>產製帳單</a:t>
+            </a:r>
+            <a:r>
+              <a:rPr lang="en-US" altLang="zh-TW" dirty="0">
+                <a:latin typeface="Times New Roman" panose="02020603050405020304" pitchFamily="18" charset="0"/>
+                <a:ea typeface="標楷體" panose="03000509000000000000" pitchFamily="65" charset="-120"/>
+                <a:cs typeface="Times New Roman" panose="02020603050405020304" pitchFamily="18" charset="0"/>
+              </a:rPr>
+              <a:t>Draft</a:t>
+            </a:r>
+            <a:endParaRPr lang="zh-TW" altLang="en-US" dirty="0">
+              <a:latin typeface="Times New Roman" panose="02020603050405020304" pitchFamily="18" charset="0"/>
+              <a:ea typeface="標楷體" panose="03000509000000000000" pitchFamily="65" charset="-120"/>
+              <a:cs typeface="Times New Roman" panose="02020603050405020304" pitchFamily="18" charset="0"/>
+            </a:endParaRPr>
+          </a:p>
+        </p:txBody>
+      </p:sp>
+      <p:sp>
+        <p:nvSpPr>
+          <p:cNvPr id="3" name="內容版面配置區 2">
+            <a:extLst>
+              <a:ext uri="{FF2B5EF4-FFF2-40B4-BE49-F238E27FC236}">
+                <a16:creationId xmlns:a16="http://schemas.microsoft.com/office/drawing/2014/main" id="{A8977895-5EA8-4AF7-B965-7383005D58A1}"/>
+              </a:ext>
+            </a:extLst>
+          </p:cNvPr>
+          <p:cNvSpPr>
+            <a:spLocks noGrp="1"/>
+          </p:cNvSpPr>
+          <p:nvPr>
+            <p:ph idx="1"/>
+          </p:nvPr>
+        </p:nvSpPr>
+        <p:spPr>
+          <a:xfrm>
+            <a:off x="1435099" y="2460625"/>
+            <a:ext cx="9791701" cy="2814108"/>
+          </a:xfrm>
+        </p:spPr>
+        <p:txBody>
+          <a:bodyPr>
+            <a:normAutofit fontScale="85000" lnSpcReduction="20000"/>
+          </a:bodyPr>
+          <a:lstStyle/>
+          <a:p>
+            <a:r>
+              <a:rPr lang="en-US" altLang="zh-TW" dirty="0">
+                <a:latin typeface="Times New Roman" panose="02020603050405020304" pitchFamily="18" charset="0"/>
+                <a:cs typeface="Times New Roman" panose="02020603050405020304" pitchFamily="18" charset="0"/>
+              </a:rPr>
+              <a:t>Method: POST</a:t>
+            </a:r>
+          </a:p>
+          <a:p>
+            <a:r>
+              <a:rPr lang="en-US" altLang="zh-TW" dirty="0">
+                <a:latin typeface="Times New Roman" panose="02020603050405020304" pitchFamily="18" charset="0"/>
+                <a:cs typeface="Times New Roman" panose="02020603050405020304" pitchFamily="18" charset="0"/>
+              </a:rPr>
+              <a:t>URL: </a:t>
+            </a:r>
+            <a:r>
+              <a:rPr lang="en-US" altLang="zh-TW" dirty="0">
+                <a:latin typeface="Times New Roman" panose="02020603050405020304" pitchFamily="18" charset="0"/>
+                <a:cs typeface="Times New Roman" panose="02020603050405020304" pitchFamily="18" charset="0"/>
+                <a:hlinkClick r:id="rId2"/>
+              </a:rPr>
+              <a:t>http://localhost:8000/api/v1/getBillMasterDraftStream</a:t>
+            </a:r>
+            <a:endParaRPr lang="en-US" altLang="zh-TW" dirty="0">
+              <a:latin typeface="Times New Roman" panose="02020603050405020304" pitchFamily="18" charset="0"/>
+              <a:cs typeface="Times New Roman" panose="02020603050405020304" pitchFamily="18" charset="0"/>
+            </a:endParaRPr>
+          </a:p>
+          <a:p>
+            <a:r>
+              <a:rPr lang="en-US" altLang="zh-TW" dirty="0">
+                <a:latin typeface="Times New Roman" panose="02020603050405020304" pitchFamily="18" charset="0"/>
+                <a:cs typeface="Times New Roman" panose="02020603050405020304" pitchFamily="18" charset="0"/>
+              </a:rPr>
+              <a:t>POST Body:</a:t>
+            </a:r>
+          </a:p>
+          <a:p>
+            <a:pPr marL="0" indent="0">
+              <a:buNone/>
+            </a:pPr>
+            <a:r>
+              <a:rPr lang="en-US" altLang="zh-TW" dirty="0">
+                <a:latin typeface="Times New Roman" panose="02020603050405020304" pitchFamily="18" charset="0"/>
+                <a:cs typeface="Times New Roman" panose="02020603050405020304" pitchFamily="18" charset="0"/>
+              </a:rPr>
+              <a:t>{</a:t>
+            </a:r>
+          </a:p>
+          <a:p>
+            <a:pPr marL="0" indent="0">
+              <a:buNone/>
+            </a:pPr>
+            <a:r>
+              <a:rPr lang="en-US" altLang="zh-TW" dirty="0">
+                <a:latin typeface="Times New Roman" panose="02020603050405020304" pitchFamily="18" charset="0"/>
+                <a:cs typeface="Times New Roman" panose="02020603050405020304" pitchFamily="18" charset="0"/>
+              </a:rPr>
+              <a:t>  "</a:t>
+            </a:r>
+            <a:r>
+              <a:rPr lang="en-US" altLang="zh-TW" dirty="0" err="1">
+                <a:latin typeface="Times New Roman" panose="02020603050405020304" pitchFamily="18" charset="0"/>
+                <a:cs typeface="Times New Roman" panose="02020603050405020304" pitchFamily="18" charset="0"/>
+              </a:rPr>
+              <a:t>BillMasterID</a:t>
+            </a:r>
+            <a:r>
+              <a:rPr lang="en-US" altLang="zh-TW" dirty="0">
+                <a:latin typeface="Times New Roman" panose="02020603050405020304" pitchFamily="18" charset="0"/>
+                <a:cs typeface="Times New Roman" panose="02020603050405020304" pitchFamily="18" charset="0"/>
+              </a:rPr>
+              <a:t>": 1,</a:t>
+            </a:r>
+          </a:p>
+          <a:p>
+            <a:pPr marL="0" indent="0">
+              <a:buNone/>
+            </a:pPr>
+            <a:r>
+              <a:rPr lang="en-US" altLang="zh-TW" dirty="0">
+                <a:latin typeface="Times New Roman" panose="02020603050405020304" pitchFamily="18" charset="0"/>
+                <a:cs typeface="Times New Roman" panose="02020603050405020304" pitchFamily="18" charset="0"/>
+              </a:rPr>
+              <a:t>  "</a:t>
+            </a:r>
+            <a:r>
+              <a:rPr lang="en-US" altLang="zh-TW" dirty="0" err="1">
+                <a:latin typeface="Times New Roman" panose="02020603050405020304" pitchFamily="18" charset="0"/>
+                <a:cs typeface="Times New Roman" panose="02020603050405020304" pitchFamily="18" charset="0"/>
+              </a:rPr>
+              <a:t>UserName</a:t>
+            </a:r>
+            <a:r>
+              <a:rPr lang="en-US" altLang="zh-TW" dirty="0">
+                <a:latin typeface="Times New Roman" panose="02020603050405020304" pitchFamily="18" charset="0"/>
+                <a:cs typeface="Times New Roman" panose="02020603050405020304" pitchFamily="18" charset="0"/>
+              </a:rPr>
+              <a:t>": "username",</a:t>
+            </a:r>
+          </a:p>
+          <a:p>
+            <a:pPr marL="0" indent="0">
+              <a:buNone/>
+            </a:pPr>
+            <a:r>
+              <a:rPr lang="en-US" altLang="zh-TW" dirty="0">
+                <a:latin typeface="Times New Roman" panose="02020603050405020304" pitchFamily="18" charset="0"/>
+                <a:cs typeface="Times New Roman" panose="02020603050405020304" pitchFamily="18" charset="0"/>
+              </a:rPr>
+              <a:t>}</a:t>
+            </a:r>
+          </a:p>
+        </p:txBody>
+      </p:sp>
+      <p:sp>
+        <p:nvSpPr>
+          <p:cNvPr id="5" name="矩形: 圓角 4">
+            <a:extLst>
+              <a:ext uri="{FF2B5EF4-FFF2-40B4-BE49-F238E27FC236}">
+                <a16:creationId xmlns:a16="http://schemas.microsoft.com/office/drawing/2014/main" id="{AE55F345-ED2E-477F-A884-57CD22B3A97F}"/>
+              </a:ext>
+            </a:extLst>
+          </p:cNvPr>
+          <p:cNvSpPr/>
+          <p:nvPr/>
+        </p:nvSpPr>
+        <p:spPr>
+          <a:xfrm>
+            <a:off x="1435099" y="3556000"/>
+            <a:ext cx="3729568" cy="1600200"/>
+          </a:xfrm>
+          <a:prstGeom prst="roundRect">
+            <a:avLst/>
+          </a:prstGeom>
+          <a:noFill/>
+          <a:ln>
+            <a:solidFill>
+              <a:schemeClr val="tx1"/>
+            </a:solidFill>
+          </a:ln>
+        </p:spPr>
+        <p:style>
+          <a:lnRef idx="2">
+            <a:schemeClr val="accent1">
+              <a:shade val="50000"/>
+            </a:schemeClr>
+          </a:lnRef>
+          <a:fillRef idx="1">
+            <a:schemeClr val="accent1"/>
+          </a:fillRef>
+          <a:effectRef idx="0">
+            <a:schemeClr val="accent1"/>
+          </a:effectRef>
+          <a:fontRef idx="minor">
+            <a:schemeClr val="lt1"/>
+          </a:fontRef>
+        </p:style>
+        <p:txBody>
+          <a:bodyPr rtlCol="0" anchor="ctr"/>
+          <a:lstStyle/>
+          <a:p>
+            <a:pPr algn="ctr"/>
+            <a:endParaRPr lang="zh-TW" altLang="en-US"/>
+          </a:p>
+        </p:txBody>
+      </p:sp>
+    </p:spTree>
+    <p:extLst>
+      <p:ext uri="{BB962C8B-B14F-4D97-AF65-F5344CB8AC3E}">
+        <p14:creationId xmlns:p14="http://schemas.microsoft.com/office/powerpoint/2010/main" val="3869670852"/>
+      </p:ext>
+    </p:extLst>
+  </p:cSld>
+  <p:clrMapOvr>
+    <a:masterClrMapping/>
+  </p:clrMapOvr>
+</p:sld>
+</file>
+
+<file path=ppt/slides/slide3.xml><?xml version="1.0" encoding="utf-8"?>
+<p:sld xmlns:a="http://schemas.openxmlformats.org/drawingml/2006/main" xmlns:r="http://schemas.openxmlformats.org/officeDocument/2006/relationships" xmlns:p="http://schemas.openxmlformats.org/presentationml/2006/main">
+  <p:cSld>
+    <p:spTree>
+      <p:nvGrpSpPr>
+        <p:cNvPr id="1" name=""/>
+        <p:cNvGrpSpPr/>
+        <p:nvPr/>
+      </p:nvGrpSpPr>
+      <p:grpSpPr>
+        <a:xfrm>
+          <a:off x="0" y="0"/>
+          <a:ext cx="0" cy="0"/>
+          <a:chOff x="0" y="0"/>
+          <a:chExt cx="0" cy="0"/>
+        </a:xfrm>
+      </p:grpSpPr>
       <p:graphicFrame>
         <p:nvGraphicFramePr>
           <p:cNvPr id="5" name="表格 4">
@@ -16780,7 +17052,7 @@
 </p:sld>
 </file>
 
-<file path=ppt/slides/slide3.xml><?xml version="1.0" encoding="utf-8"?>
+<file path=ppt/slides/slide4.xml><?xml version="1.0" encoding="utf-8"?>
 <p:sld xmlns:a="http://schemas.openxmlformats.org/drawingml/2006/main" xmlns:r="http://schemas.openxmlformats.org/officeDocument/2006/relationships" xmlns:p="http://schemas.openxmlformats.org/presentationml/2006/main">
   <p:cSld>
     <p:spTree>

--- a/CBP專案/帳單API/帳單Draft API.pptx
+++ b/CBP專案/帳單API/帳單Draft API.pptx
@@ -262,7 +262,7 @@
           <a:p>
             <a:fld id="{AAE5B73C-3B16-43BE-9FBD-D84F32EA9567}" type="datetimeFigureOut">
               <a:rPr lang="zh-TW" altLang="en-US" smtClean="0"/>
-              <a:t>2023/3/27</a:t>
+              <a:t>2023/3/30</a:t>
             </a:fld>
             <a:endParaRPr lang="zh-TW" altLang="en-US"/>
           </a:p>
@@ -460,7 +460,7 @@
           <a:p>
             <a:fld id="{AAE5B73C-3B16-43BE-9FBD-D84F32EA9567}" type="datetimeFigureOut">
               <a:rPr lang="zh-TW" altLang="en-US" smtClean="0"/>
-              <a:t>2023/3/27</a:t>
+              <a:t>2023/3/30</a:t>
             </a:fld>
             <a:endParaRPr lang="zh-TW" altLang="en-US"/>
           </a:p>
@@ -668,7 +668,7 @@
           <a:p>
             <a:fld id="{AAE5B73C-3B16-43BE-9FBD-D84F32EA9567}" type="datetimeFigureOut">
               <a:rPr lang="zh-TW" altLang="en-US" smtClean="0"/>
-              <a:t>2023/3/27</a:t>
+              <a:t>2023/3/30</a:t>
             </a:fld>
             <a:endParaRPr lang="zh-TW" altLang="en-US"/>
           </a:p>
@@ -866,7 +866,7 @@
           <a:p>
             <a:fld id="{AAE5B73C-3B16-43BE-9FBD-D84F32EA9567}" type="datetimeFigureOut">
               <a:rPr lang="zh-TW" altLang="en-US" smtClean="0"/>
-              <a:t>2023/3/27</a:t>
+              <a:t>2023/3/30</a:t>
             </a:fld>
             <a:endParaRPr lang="zh-TW" altLang="en-US"/>
           </a:p>
@@ -1141,7 +1141,7 @@
           <a:p>
             <a:fld id="{AAE5B73C-3B16-43BE-9FBD-D84F32EA9567}" type="datetimeFigureOut">
               <a:rPr lang="zh-TW" altLang="en-US" smtClean="0"/>
-              <a:t>2023/3/27</a:t>
+              <a:t>2023/3/30</a:t>
             </a:fld>
             <a:endParaRPr lang="zh-TW" altLang="en-US"/>
           </a:p>
@@ -1406,7 +1406,7 @@
           <a:p>
             <a:fld id="{AAE5B73C-3B16-43BE-9FBD-D84F32EA9567}" type="datetimeFigureOut">
               <a:rPr lang="zh-TW" altLang="en-US" smtClean="0"/>
-              <a:t>2023/3/27</a:t>
+              <a:t>2023/3/30</a:t>
             </a:fld>
             <a:endParaRPr lang="zh-TW" altLang="en-US"/>
           </a:p>
@@ -1818,7 +1818,7 @@
           <a:p>
             <a:fld id="{AAE5B73C-3B16-43BE-9FBD-D84F32EA9567}" type="datetimeFigureOut">
               <a:rPr lang="zh-TW" altLang="en-US" smtClean="0"/>
-              <a:t>2023/3/27</a:t>
+              <a:t>2023/3/30</a:t>
             </a:fld>
             <a:endParaRPr lang="zh-TW" altLang="en-US"/>
           </a:p>
@@ -1959,7 +1959,7 @@
           <a:p>
             <a:fld id="{AAE5B73C-3B16-43BE-9FBD-D84F32EA9567}" type="datetimeFigureOut">
               <a:rPr lang="zh-TW" altLang="en-US" smtClean="0"/>
-              <a:t>2023/3/27</a:t>
+              <a:t>2023/3/30</a:t>
             </a:fld>
             <a:endParaRPr lang="zh-TW" altLang="en-US"/>
           </a:p>
@@ -2072,7 +2072,7 @@
           <a:p>
             <a:fld id="{AAE5B73C-3B16-43BE-9FBD-D84F32EA9567}" type="datetimeFigureOut">
               <a:rPr lang="zh-TW" altLang="en-US" smtClean="0"/>
-              <a:t>2023/3/27</a:t>
+              <a:t>2023/3/30</a:t>
             </a:fld>
             <a:endParaRPr lang="zh-TW" altLang="en-US"/>
           </a:p>
@@ -2383,7 +2383,7 @@
           <a:p>
             <a:fld id="{AAE5B73C-3B16-43BE-9FBD-D84F32EA9567}" type="datetimeFigureOut">
               <a:rPr lang="zh-TW" altLang="en-US" smtClean="0"/>
-              <a:t>2023/3/27</a:t>
+              <a:t>2023/3/30</a:t>
             </a:fld>
             <a:endParaRPr lang="zh-TW" altLang="en-US"/>
           </a:p>
@@ -2671,7 +2671,7 @@
           <a:p>
             <a:fld id="{AAE5B73C-3B16-43BE-9FBD-D84F32EA9567}" type="datetimeFigureOut">
               <a:rPr lang="zh-TW" altLang="en-US" smtClean="0"/>
-              <a:t>2023/3/27</a:t>
+              <a:t>2023/3/30</a:t>
             </a:fld>
             <a:endParaRPr lang="zh-TW" altLang="en-US"/>
           </a:p>
@@ -2912,7 +2912,7 @@
           <a:p>
             <a:fld id="{AAE5B73C-3B16-43BE-9FBD-D84F32EA9567}" type="datetimeFigureOut">
               <a:rPr lang="zh-TW" altLang="en-US" smtClean="0"/>
-              <a:t>2023/3/27</a:t>
+              <a:t>2023/3/30</a:t>
             </a:fld>
             <a:endParaRPr lang="zh-TW" altLang="en-US"/>
           </a:p>
@@ -3585,7 +3585,7 @@
                 <a:latin typeface="Times New Roman" panose="02020603050405020304" pitchFamily="18" charset="0"/>
                 <a:cs typeface="Times New Roman" panose="02020603050405020304" pitchFamily="18" charset="0"/>
               </a:rPr>
-              <a:t>UserName</a:t>
+              <a:t>UserI</a:t>
             </a:r>
             <a:r>
               <a:rPr lang="en-US" altLang="zh-TW" dirty="0">
@@ -3706,7 +3706,7 @@
           <p:nvPr>
             <p:extLst>
               <p:ext uri="{D42A27DB-BD31-4B8C-83A1-F6EECF244321}">
-                <p14:modId xmlns:p14="http://schemas.microsoft.com/office/powerpoint/2010/main" val="200822504"/>
+                <p14:modId xmlns:p14="http://schemas.microsoft.com/office/powerpoint/2010/main" val="3849103848"/>
               </p:ext>
             </p:extLst>
           </p:nvPr>
@@ -12803,20 +12803,6 @@
                         </a:rPr>
                         <a:t>聯盟資訊</a:t>
                       </a:r>
-                      <a:endParaRPr kumimoji="0" lang="en-US" sz="1200" b="0" i="0" u="none" strike="noStrike" cap="none" spc="0" normalizeH="0" baseline="0" dirty="0">
-                        <a:ln>
-                          <a:noFill/>
-                        </a:ln>
-                        <a:solidFill>
-                          <a:schemeClr val="tx1"/>
-                        </a:solidFill>
-                        <a:effectLst/>
-                        <a:uFillTx/>
-                        <a:latin typeface="Times New Roman" panose="02020603050405020304" pitchFamily="18" charset="0"/>
-                        <a:ea typeface="標楷體" panose="03000509000000000000" pitchFamily="65" charset="-120"/>
-                        <a:cs typeface="Times New Roman" panose="02020603050405020304" pitchFamily="18" charset="0"/>
-                        <a:sym typeface="Calibri"/>
-                      </a:endParaRPr>
                     </a:p>
                   </a:txBody>
                   <a:tcPr marL="8193" marR="8193" marT="8193" marB="0" anchor="ctr">
@@ -16272,7 +16258,7 @@
         <p:spPr>
           <a:xfrm>
             <a:off x="6724650" y="169196"/>
-            <a:ext cx="4277647" cy="6247864"/>
+            <a:ext cx="4696883" cy="6370975"/>
           </a:xfrm>
           <a:prstGeom prst="rect">
             <a:avLst/>
@@ -16291,305 +16277,566 @@
           <a:lstStyle/>
           <a:p>
             <a:r>
+              <a:rPr lang="en-US" altLang="zh-TW" sz="800" dirty="0"/>
+              <a:t>{</a:t>
+            </a:r>
+          </a:p>
+          <a:p>
+            <a:r>
+              <a:rPr lang="en-US" altLang="zh-TW" sz="800" dirty="0"/>
+              <a:t>    "</a:t>
+            </a:r>
+            <a:r>
+              <a:rPr lang="en-US" altLang="zh-TW" sz="800" dirty="0" err="1"/>
+              <a:t>ContactWindowAndSupervisorInformation</a:t>
+            </a:r>
+            <a:r>
+              <a:rPr lang="en-US" altLang="zh-TW" sz="800" dirty="0"/>
+              <a:t>": {</a:t>
+            </a:r>
+          </a:p>
+          <a:p>
+            <a:r>
+              <a:rPr lang="en-US" altLang="zh-TW" sz="800" dirty="0"/>
+              <a:t>        "Company": "</a:t>
+            </a:r>
+            <a:r>
               <a:rPr lang="zh-TW" altLang="en-US" sz="800" dirty="0"/>
-              <a:t>{</a:t>
-            </a:r>
-          </a:p>
-          <a:p>
+              <a:t>中華電信</a:t>
+            </a:r>
+            <a:r>
+              <a:rPr lang="en-US" altLang="zh-TW" sz="800" dirty="0"/>
+              <a:t>",</a:t>
+            </a:r>
+          </a:p>
+          <a:p>
+            <a:r>
+              <a:rPr lang="en-US" altLang="zh-TW" sz="800" dirty="0"/>
+              <a:t>        "Address": "</a:t>
+            </a:r>
+            <a:r>
+              <a:rPr lang="en-US" altLang="zh-TW" sz="800" dirty="0" err="1"/>
+              <a:t>testaddr</a:t>
+            </a:r>
+            <a:r>
+              <a:rPr lang="en-US" altLang="zh-TW" sz="800" dirty="0"/>
+              <a:t>",</a:t>
+            </a:r>
+          </a:p>
+          <a:p>
+            <a:r>
+              <a:rPr lang="en-US" altLang="zh-TW" sz="800" dirty="0"/>
+              <a:t>        "Tel": "02-23443897",</a:t>
+            </a:r>
+          </a:p>
+          <a:p>
+            <a:r>
+              <a:rPr lang="en-US" altLang="zh-TW" sz="800" dirty="0"/>
+              <a:t>        "Fax": "02-23443897",</a:t>
+            </a:r>
+          </a:p>
+          <a:p>
+            <a:r>
+              <a:rPr lang="en-US" altLang="zh-TW" sz="800" dirty="0"/>
+              <a:t>        "</a:t>
+            </a:r>
+            <a:r>
+              <a:rPr lang="en-US" altLang="zh-TW" sz="800" dirty="0" err="1"/>
+              <a:t>DirectorName</a:t>
+            </a:r>
+            <a:r>
+              <a:rPr lang="en-US" altLang="zh-TW" sz="800" dirty="0"/>
+              <a:t>": "</a:t>
+            </a:r>
             <a:r>
               <a:rPr lang="zh-TW" altLang="en-US" sz="800" dirty="0"/>
-              <a:t>    "ContactWindowAndSupervisorInformation": {</a:t>
-            </a:r>
-          </a:p>
-          <a:p>
+              <a:t>郭贊章</a:t>
+            </a:r>
+            <a:r>
+              <a:rPr lang="en-US" altLang="zh-TW" sz="800" dirty="0"/>
+              <a:t>",</a:t>
+            </a:r>
+          </a:p>
+          <a:p>
+            <a:r>
+              <a:rPr lang="en-US" altLang="zh-TW" sz="800" dirty="0"/>
+              <a:t>        "</a:t>
+            </a:r>
+            <a:r>
+              <a:rPr lang="en-US" altLang="zh-TW" sz="800" dirty="0" err="1"/>
+              <a:t>DTel</a:t>
+            </a:r>
+            <a:r>
+              <a:rPr lang="en-US" altLang="zh-TW" sz="800" dirty="0"/>
+              <a:t>": "</a:t>
+            </a:r>
+            <a:r>
+              <a:rPr lang="en-US" altLang="zh-TW" sz="800" dirty="0" err="1"/>
+              <a:t>testtel</a:t>
+            </a:r>
+            <a:r>
+              <a:rPr lang="en-US" altLang="zh-TW" sz="800" dirty="0"/>
+              <a:t>",</a:t>
+            </a:r>
+          </a:p>
+          <a:p>
+            <a:r>
+              <a:rPr lang="en-US" altLang="zh-TW" sz="800" dirty="0"/>
+              <a:t>        "</a:t>
+            </a:r>
+            <a:r>
+              <a:rPr lang="en-US" altLang="zh-TW" sz="800" dirty="0" err="1"/>
+              <a:t>DFax</a:t>
+            </a:r>
+            <a:r>
+              <a:rPr lang="en-US" altLang="zh-TW" sz="800" dirty="0"/>
+              <a:t>": "</a:t>
+            </a:r>
+            <a:r>
+              <a:rPr lang="en-US" altLang="zh-TW" sz="800" dirty="0" err="1"/>
+              <a:t>testfax</a:t>
+            </a:r>
+            <a:r>
+              <a:rPr lang="en-US" altLang="zh-TW" sz="800" dirty="0"/>
+              <a:t>"</a:t>
+            </a:r>
+          </a:p>
+          <a:p>
+            <a:r>
+              <a:rPr lang="en-US" altLang="zh-TW" sz="800" dirty="0"/>
+              <a:t>    },</a:t>
+            </a:r>
+          </a:p>
+          <a:p>
+            <a:r>
+              <a:rPr lang="en-US" altLang="zh-TW" sz="800" dirty="0"/>
+              <a:t>    "</a:t>
+            </a:r>
+            <a:r>
+              <a:rPr lang="en-US" altLang="zh-TW" sz="800" dirty="0" err="1"/>
+              <a:t>PartyInformation</a:t>
+            </a:r>
+            <a:r>
+              <a:rPr lang="en-US" altLang="zh-TW" sz="800" dirty="0"/>
+              <a:t>": {</a:t>
+            </a:r>
+          </a:p>
+          <a:p>
+            <a:r>
+              <a:rPr lang="en-US" altLang="zh-TW" sz="800" dirty="0"/>
+              <a:t>        "Company": "Chunghwa Telecom Co., Ltd. Network Technology Group",</a:t>
+            </a:r>
+          </a:p>
+          <a:p>
+            <a:r>
+              <a:rPr lang="en-US" altLang="zh-TW" sz="800" dirty="0"/>
+              <a:t>        "Address": "31, </a:t>
+            </a:r>
+            <a:r>
+              <a:rPr lang="en-US" altLang="zh-TW" sz="800" dirty="0" err="1"/>
+              <a:t>Aikuo</a:t>
+            </a:r>
+            <a:r>
+              <a:rPr lang="en-US" altLang="zh-TW" sz="800" dirty="0"/>
+              <a:t> East Road, Taipei, Taiwan 106",</a:t>
+            </a:r>
+          </a:p>
+          <a:p>
+            <a:r>
+              <a:rPr lang="en-US" altLang="zh-TW" sz="800" dirty="0"/>
+              <a:t>        "Contact": "</a:t>
+            </a:r>
             <a:r>
               <a:rPr lang="zh-TW" altLang="en-US" sz="800" dirty="0"/>
-              <a:t>        "Company": "CHT",</a:t>
-            </a:r>
-          </a:p>
-          <a:p>
-            <a:r>
-              <a:rPr lang="zh-TW" altLang="en-US" sz="800" dirty="0"/>
-              <a:t>        "Address": "test-address",</a:t>
-            </a:r>
-          </a:p>
-          <a:p>
-            <a:r>
-              <a:rPr lang="zh-TW" altLang="en-US" sz="800" dirty="0"/>
-              <a:t>        "Tel": "123456789",</a:t>
-            </a:r>
-          </a:p>
-          <a:p>
-            <a:r>
-              <a:rPr lang="zh-TW" altLang="en-US" sz="800" dirty="0"/>
-              <a:t>        "Fax": "123456789",</a:t>
-            </a:r>
-          </a:p>
-          <a:p>
-            <a:r>
-              <a:rPr lang="zh-TW" altLang="en-US" sz="800" dirty="0"/>
-              <a:t>        "DirectorName": "郭贊章",</a:t>
-            </a:r>
-          </a:p>
-          <a:p>
-            <a:r>
-              <a:rPr lang="zh-TW" altLang="en-US" sz="800" dirty="0"/>
-              <a:t>        "DTel": "123456789",</a:t>
-            </a:r>
-          </a:p>
-          <a:p>
-            <a:r>
-              <a:rPr lang="zh-TW" altLang="en-US" sz="800" dirty="0"/>
-              <a:t>        "DFax": "123456789"</a:t>
-            </a:r>
-          </a:p>
-          <a:p>
-            <a:r>
-              <a:rPr lang="zh-TW" altLang="en-US" sz="800" dirty="0"/>
+              <a:t>黃宏杰</a:t>
+            </a:r>
+            <a:r>
+              <a:rPr lang="en-US" altLang="zh-TW" sz="800" dirty="0"/>
+              <a:t>",</a:t>
+            </a:r>
+          </a:p>
+          <a:p>
+            <a:r>
+              <a:rPr lang="en-US" altLang="zh-TW" sz="800" dirty="0"/>
+              <a:t>        "Email": "hj-hwang@cht.com.tw",</a:t>
+            </a:r>
+          </a:p>
+          <a:p>
+            <a:r>
+              <a:rPr lang="en-US" altLang="zh-TW" sz="800" dirty="0"/>
+              <a:t>        "Tel": "03-9772252"</a:t>
+            </a:r>
+          </a:p>
+          <a:p>
+            <a:r>
+              <a:rPr lang="en-US" altLang="zh-TW" sz="800" dirty="0"/>
               <a:t>    },</a:t>
             </a:r>
           </a:p>
           <a:p>
             <a:r>
-              <a:rPr lang="zh-TW" altLang="en-US" sz="800" dirty="0"/>
-              <a:t>    "PartyInformation": {</a:t>
-            </a:r>
-          </a:p>
-          <a:p>
-            <a:r>
-              <a:rPr lang="zh-TW" altLang="en-US" sz="800" dirty="0"/>
-              <a:t>        "Company": "Edge Company",</a:t>
-            </a:r>
-          </a:p>
-          <a:p>
-            <a:r>
-              <a:rPr lang="zh-TW" altLang="en-US" sz="800" dirty="0"/>
-              <a:t>        "Address": "test address",</a:t>
-            </a:r>
-          </a:p>
-          <a:p>
-            <a:r>
-              <a:rPr lang="zh-TW" altLang="en-US" sz="800" dirty="0"/>
-              <a:t>        "Contact": "test contact name",</a:t>
-            </a:r>
-          </a:p>
-          <a:p>
-            <a:r>
-              <a:rPr lang="zh-TW" altLang="en-US" sz="800" dirty="0"/>
-              <a:t>        "Email": "test@testmail.com",</a:t>
-            </a:r>
-          </a:p>
-          <a:p>
-            <a:r>
-              <a:rPr lang="zh-TW" altLang="en-US" sz="800" dirty="0"/>
-              <a:t>        "Tel": "123456789"</a:t>
-            </a:r>
-          </a:p>
-          <a:p>
-            <a:r>
-              <a:rPr lang="zh-TW" altLang="en-US" sz="800" dirty="0"/>
+              <a:rPr lang="en-US" altLang="zh-TW" sz="800" dirty="0"/>
+              <a:t>    "</a:t>
+            </a:r>
+            <a:r>
+              <a:rPr lang="en-US" altLang="zh-TW" sz="800" dirty="0" err="1"/>
+              <a:t>CorporateInformation</a:t>
+            </a:r>
+            <a:r>
+              <a:rPr lang="en-US" altLang="zh-TW" sz="800" dirty="0"/>
+              <a:t>": {</a:t>
+            </a:r>
+          </a:p>
+          <a:p>
+            <a:r>
+              <a:rPr lang="en-US" altLang="zh-TW" sz="800" dirty="0"/>
+              <a:t>        "</a:t>
+            </a:r>
+            <a:r>
+              <a:rPr lang="en-US" altLang="zh-TW" sz="800" dirty="0" err="1"/>
+              <a:t>BankName</a:t>
+            </a:r>
+            <a:r>
+              <a:rPr lang="en-US" altLang="zh-TW" sz="800" dirty="0"/>
+              <a:t>": "Bank of Taiwan, </a:t>
+            </a:r>
+            <a:r>
+              <a:rPr lang="en-US" altLang="zh-TW" sz="800" dirty="0" err="1"/>
+              <a:t>Hsinyi</a:t>
+            </a:r>
+            <a:r>
+              <a:rPr lang="en-US" altLang="zh-TW" sz="800" dirty="0"/>
+              <a:t> Branch",</a:t>
+            </a:r>
+          </a:p>
+          <a:p>
+            <a:r>
+              <a:rPr lang="en-US" altLang="zh-TW" sz="800" dirty="0"/>
+              <a:t>        "Branch": "",</a:t>
+            </a:r>
+          </a:p>
+          <a:p>
+            <a:r>
+              <a:rPr lang="en-US" altLang="zh-TW" sz="800" dirty="0"/>
+              <a:t>        "</a:t>
+            </a:r>
+            <a:r>
+              <a:rPr lang="en-US" altLang="zh-TW" sz="800" dirty="0" err="1"/>
+              <a:t>BranchAddress</a:t>
+            </a:r>
+            <a:r>
+              <a:rPr lang="en-US" altLang="zh-TW" sz="800" dirty="0"/>
+              <a:t>": "31 </a:t>
+            </a:r>
+            <a:r>
+              <a:rPr lang="en-US" altLang="zh-TW" sz="800" dirty="0" err="1"/>
+              <a:t>Aikuo</a:t>
+            </a:r>
+            <a:r>
+              <a:rPr lang="en-US" altLang="zh-TW" sz="800" dirty="0"/>
+              <a:t> E. Rd., Taipei, Taiwan, 106",</a:t>
+            </a:r>
+          </a:p>
+          <a:p>
+            <a:r>
+              <a:rPr lang="en-US" altLang="zh-TW" sz="800" dirty="0"/>
+              <a:t>        "</a:t>
+            </a:r>
+            <a:r>
+              <a:rPr lang="en-US" altLang="zh-TW" sz="800" dirty="0" err="1"/>
+              <a:t>BankAcctName</a:t>
+            </a:r>
+            <a:r>
+              <a:rPr lang="en-US" altLang="zh-TW" sz="800" dirty="0"/>
+              <a:t>": "SJC2 Central Billing Party of Chunghwa Telecom (International Business Group)",</a:t>
+            </a:r>
+          </a:p>
+          <a:p>
+            <a:r>
+              <a:rPr lang="en-US" altLang="zh-TW" sz="800" dirty="0"/>
+              <a:t>        "</a:t>
+            </a:r>
+            <a:r>
+              <a:rPr lang="en-US" altLang="zh-TW" sz="800" dirty="0" err="1"/>
+              <a:t>BankAcctNo</a:t>
+            </a:r>
+            <a:r>
+              <a:rPr lang="en-US" altLang="zh-TW" sz="800" dirty="0"/>
+              <a:t>": "054007501968",</a:t>
+            </a:r>
+          </a:p>
+          <a:p>
+            <a:r>
+              <a:rPr lang="en-US" altLang="zh-TW" sz="800" dirty="0"/>
+              <a:t>        "</a:t>
+            </a:r>
+            <a:r>
+              <a:rPr lang="en-US" altLang="zh-TW" sz="800" dirty="0" err="1"/>
+              <a:t>SavingAcctNo</a:t>
+            </a:r>
+            <a:r>
+              <a:rPr lang="en-US" altLang="zh-TW" sz="800" dirty="0"/>
+              <a:t>": "",</a:t>
+            </a:r>
+          </a:p>
+          <a:p>
+            <a:r>
+              <a:rPr lang="en-US" altLang="zh-TW" sz="800" dirty="0"/>
+              <a:t>        "IBAN": "",</a:t>
+            </a:r>
+          </a:p>
+          <a:p>
+            <a:r>
+              <a:rPr lang="en-US" altLang="zh-TW" sz="800" dirty="0"/>
+              <a:t>        "</a:t>
+            </a:r>
+            <a:r>
+              <a:rPr lang="en-US" altLang="zh-TW" sz="800" dirty="0" err="1"/>
+              <a:t>SWIFTCode</a:t>
+            </a:r>
+            <a:r>
+              <a:rPr lang="en-US" altLang="zh-TW" sz="800" dirty="0"/>
+              <a:t>": "BKTWTWTP054",</a:t>
+            </a:r>
+          </a:p>
+          <a:p>
+            <a:r>
+              <a:rPr lang="en-US" altLang="zh-TW" sz="800" dirty="0"/>
+              <a:t>        "</a:t>
+            </a:r>
+            <a:r>
+              <a:rPr lang="en-US" altLang="zh-TW" sz="800" dirty="0" err="1"/>
+              <a:t>ACHNo</a:t>
+            </a:r>
+            <a:r>
+              <a:rPr lang="en-US" altLang="zh-TW" sz="800" dirty="0"/>
+              <a:t>": "",</a:t>
+            </a:r>
+          </a:p>
+          <a:p>
+            <a:r>
+              <a:rPr lang="en-US" altLang="zh-TW" sz="800" dirty="0"/>
+              <a:t>        "</a:t>
+            </a:r>
+            <a:r>
+              <a:rPr lang="en-US" altLang="zh-TW" sz="800" dirty="0" err="1"/>
+              <a:t>WireRouting</a:t>
+            </a:r>
+            <a:r>
+              <a:rPr lang="en-US" altLang="zh-TW" sz="800" dirty="0"/>
+              <a:t>": "",</a:t>
+            </a:r>
+          </a:p>
+          <a:p>
+            <a:r>
+              <a:rPr lang="en-US" altLang="zh-TW" sz="800" dirty="0"/>
+              <a:t>        "Address": "88, Sec. 2, </a:t>
+            </a:r>
+            <a:r>
+              <a:rPr lang="en-US" altLang="zh-TW" sz="800" dirty="0" err="1"/>
+              <a:t>Sinyi</a:t>
+            </a:r>
+            <a:r>
+              <a:rPr lang="en-US" altLang="zh-TW" sz="800" dirty="0"/>
+              <a:t> Road, Taipei"</a:t>
+            </a:r>
+          </a:p>
+          <a:p>
+            <a:r>
+              <a:rPr lang="en-US" altLang="zh-TW" sz="800" dirty="0"/>
               <a:t>    },</a:t>
             </a:r>
           </a:p>
           <a:p>
             <a:r>
-              <a:rPr lang="zh-TW" altLang="en-US" sz="800" dirty="0"/>
-              <a:t>    "CorporateInformation": {</a:t>
-            </a:r>
-          </a:p>
-          <a:p>
-            <a:r>
-              <a:rPr lang="zh-TW" altLang="en-US" sz="800" dirty="0"/>
-              <a:t>        "Name": "test-name",</a:t>
-            </a:r>
-          </a:p>
-          <a:p>
-            <a:r>
-              <a:rPr lang="zh-TW" altLang="en-US" sz="800" dirty="0"/>
-              <a:t>        "Branch": "test-branch",</a:t>
-            </a:r>
-          </a:p>
-          <a:p>
-            <a:r>
-              <a:rPr lang="zh-TW" altLang="en-US" sz="800" dirty="0"/>
-              <a:t>        "Address": "test-address",</a:t>
-            </a:r>
-          </a:p>
-          <a:p>
-            <a:r>
-              <a:rPr lang="zh-TW" altLang="en-US" sz="800" dirty="0"/>
-              <a:t>        "AcctName": "test-acctname",</a:t>
-            </a:r>
-          </a:p>
-          <a:p>
-            <a:r>
-              <a:rPr lang="zh-TW" altLang="en-US" sz="800" dirty="0"/>
-              <a:t>        "AcctNo": "test-acctno",</a:t>
-            </a:r>
-          </a:p>
-          <a:p>
-            <a:r>
-              <a:rPr lang="zh-TW" altLang="en-US" sz="800" dirty="0"/>
-              <a:t>        "SavingAcctNo": "test-savingaccntno",</a:t>
-            </a:r>
-          </a:p>
-          <a:p>
-            <a:r>
-              <a:rPr lang="zh-TW" altLang="en-US" sz="800" dirty="0"/>
-              <a:t>        "IBAN": "test-iban",</a:t>
-            </a:r>
-          </a:p>
-          <a:p>
-            <a:r>
-              <a:rPr lang="zh-TW" altLang="en-US" sz="800" dirty="0"/>
-              <a:t>        "SWIFTCode": "test-swiftcode",</a:t>
-            </a:r>
-          </a:p>
-          <a:p>
-            <a:r>
-              <a:rPr lang="zh-TW" altLang="en-US" sz="800" dirty="0"/>
-              <a:t>        "ACHNo": "test-achno",</a:t>
-            </a:r>
-          </a:p>
-          <a:p>
-            <a:r>
-              <a:rPr lang="zh-TW" altLang="en-US" sz="800" dirty="0"/>
-              <a:t>        "WireRouting": "test-wirerouting"</a:t>
-            </a:r>
-          </a:p>
-          <a:p>
-            <a:r>
-              <a:rPr lang="zh-TW" altLang="en-US" sz="800" dirty="0"/>
-              <a:t>    },</a:t>
-            </a:r>
-          </a:p>
-          <a:p>
-            <a:r>
-              <a:rPr lang="zh-TW" altLang="en-US" sz="800" dirty="0"/>
-              <a:t>    "DetailInformation": [</a:t>
-            </a:r>
-          </a:p>
-          <a:p>
-            <a:r>
-              <a:rPr lang="zh-TW" altLang="en-US" sz="800" dirty="0"/>
+              <a:rPr lang="en-US" altLang="zh-TW" sz="800" dirty="0"/>
+              <a:t>    "</a:t>
+            </a:r>
+            <a:r>
+              <a:rPr lang="en-US" altLang="zh-TW" sz="800" dirty="0" err="1"/>
+              <a:t>DetailInformation</a:t>
+            </a:r>
+            <a:r>
+              <a:rPr lang="en-US" altLang="zh-TW" sz="800" dirty="0"/>
+              <a:t>": [</a:t>
+            </a:r>
+          </a:p>
+          <a:p>
+            <a:r>
+              <a:rPr lang="en-US" altLang="zh-TW" sz="800" dirty="0"/>
               <a:t>        {</a:t>
             </a:r>
           </a:p>
           <a:p>
             <a:r>
-              <a:rPr lang="zh-TW" altLang="en-US" sz="800" dirty="0"/>
-              <a:t>            "Supplier": "NEC",</a:t>
-            </a:r>
-          </a:p>
-          <a:p>
-            <a:r>
-              <a:rPr lang="zh-TW" altLang="en-US" sz="800" dirty="0"/>
-              <a:t>            "InvNumber": "02CO-EG2303251517",</a:t>
-            </a:r>
-          </a:p>
-          <a:p>
-            <a:r>
-              <a:rPr lang="zh-TW" altLang="en-US" sz="800" dirty="0"/>
+              <a:rPr lang="en-US" altLang="zh-TW" sz="800" dirty="0"/>
+              <a:t>            "Supplier": "NEC Corporation, Submarine Network Division",</a:t>
+            </a:r>
+          </a:p>
+          <a:p>
+            <a:r>
+              <a:rPr lang="en-US" altLang="zh-TW" sz="800" dirty="0"/>
+              <a:t>            "</a:t>
+            </a:r>
+            <a:r>
+              <a:rPr lang="en-US" altLang="zh-TW" sz="800" dirty="0" err="1"/>
+              <a:t>InvNumber</a:t>
+            </a:r>
+            <a:r>
+              <a:rPr lang="en-US" altLang="zh-TW" sz="800" dirty="0"/>
+              <a:t>": "02CO-CI2303301838",</a:t>
+            </a:r>
+          </a:p>
+          <a:p>
+            <a:r>
+              <a:rPr lang="en-US" altLang="zh-TW" sz="800" dirty="0"/>
               <a:t>            "Description": "BM9a Sea cable manufactured (except 8.5km spare cable))- Equipment",</a:t>
             </a:r>
           </a:p>
           <a:p>
             <a:r>
-              <a:rPr lang="zh-TW" altLang="en-US" sz="800" dirty="0"/>
-              <a:t>            "AmountBilled": 1288822.32,</a:t>
-            </a:r>
-          </a:p>
-          <a:p>
-            <a:r>
-              <a:rPr lang="zh-TW" altLang="en-US" sz="800" dirty="0"/>
-              <a:t>            "Liability": 28.5714285714,</a:t>
-            </a:r>
-          </a:p>
-          <a:p>
-            <a:r>
-              <a:rPr lang="zh-TW" altLang="en-US" sz="800" dirty="0"/>
-              <a:t>            "YourShare": 368234.95</a:t>
-            </a:r>
-          </a:p>
-          <a:p>
-            <a:r>
-              <a:rPr lang="zh-TW" altLang="en-US" sz="800" dirty="0"/>
+              <a:rPr lang="en-US" altLang="zh-TW" sz="800" dirty="0"/>
+              <a:t>            "</a:t>
+            </a:r>
+            <a:r>
+              <a:rPr lang="en-US" altLang="zh-TW" sz="800" dirty="0" err="1"/>
+              <a:t>AmountBilled</a:t>
+            </a:r>
+            <a:r>
+              <a:rPr lang="en-US" altLang="zh-TW" sz="800" dirty="0"/>
+              <a:t>": 1288822.32,</a:t>
+            </a:r>
+          </a:p>
+          <a:p>
+            <a:r>
+              <a:rPr lang="en-US" altLang="zh-TW" sz="800" dirty="0"/>
+              <a:t>            "Liability": 7.1428571429,</a:t>
+            </a:r>
+          </a:p>
+          <a:p>
+            <a:r>
+              <a:rPr lang="en-US" altLang="zh-TW" sz="800" dirty="0"/>
+              <a:t>            "</a:t>
+            </a:r>
+            <a:r>
+              <a:rPr lang="en-US" altLang="zh-TW" sz="800" dirty="0" err="1"/>
+              <a:t>YourShare</a:t>
+            </a:r>
+            <a:r>
+              <a:rPr lang="en-US" altLang="zh-TW" sz="800" dirty="0"/>
+              <a:t>": 92058.74</a:t>
+            </a:r>
+          </a:p>
+          <a:p>
+            <a:r>
+              <a:rPr lang="en-US" altLang="zh-TW" sz="800" dirty="0"/>
               <a:t>        },</a:t>
             </a:r>
           </a:p>
           <a:p>
             <a:r>
-              <a:rPr lang="zh-TW" altLang="en-US" sz="800" dirty="0"/>
+              <a:rPr lang="en-US" altLang="zh-TW" sz="800" dirty="0"/>
               <a:t>        {</a:t>
             </a:r>
           </a:p>
           <a:p>
             <a:r>
-              <a:rPr lang="zh-TW" altLang="en-US" sz="800" dirty="0"/>
-              <a:t>            "Supplier": "NEC",</a:t>
-            </a:r>
-          </a:p>
-          <a:p>
-            <a:r>
-              <a:rPr lang="zh-TW" altLang="en-US" sz="800" dirty="0"/>
-              <a:t>            "InvNumber": "02CO-EG2303251517",</a:t>
-            </a:r>
-          </a:p>
-          <a:p>
-            <a:r>
-              <a:rPr lang="zh-TW" altLang="en-US" sz="800" dirty="0"/>
+              <a:rPr lang="en-US" altLang="zh-TW" sz="800" dirty="0"/>
+              <a:t>            "Supplier": "NEC Corporation, Submarine Network Division",</a:t>
+            </a:r>
+          </a:p>
+          <a:p>
+            <a:r>
+              <a:rPr lang="en-US" altLang="zh-TW" sz="800" dirty="0"/>
+              <a:t>            "</a:t>
+            </a:r>
+            <a:r>
+              <a:rPr lang="en-US" altLang="zh-TW" sz="800" dirty="0" err="1"/>
+              <a:t>InvNumber</a:t>
+            </a:r>
+            <a:r>
+              <a:rPr lang="en-US" altLang="zh-TW" sz="800" dirty="0"/>
+              <a:t>": "02CO-CI2303301838",</a:t>
+            </a:r>
+          </a:p>
+          <a:p>
+            <a:r>
+              <a:rPr lang="en-US" altLang="zh-TW" sz="800" dirty="0"/>
               <a:t>            "Description": "BM9a Sea cable manufactured (except 8.5km spare cable))- Service",</a:t>
             </a:r>
           </a:p>
           <a:p>
             <a:r>
-              <a:rPr lang="zh-TW" altLang="en-US" sz="800" dirty="0"/>
-              <a:t>            "AmountBilled": 1178227.94,</a:t>
-            </a:r>
-          </a:p>
-          <a:p>
-            <a:r>
-              <a:rPr lang="zh-TW" altLang="en-US" sz="800" dirty="0"/>
-              <a:t>            "Liability": 28.5714285714,</a:t>
-            </a:r>
-          </a:p>
-          <a:p>
-            <a:r>
-              <a:rPr lang="zh-TW" altLang="en-US" sz="800" dirty="0"/>
-              <a:t>            "YourShare": 336636.55</a:t>
-            </a:r>
-          </a:p>
-          <a:p>
-            <a:r>
-              <a:rPr lang="zh-TW" altLang="en-US" sz="800" dirty="0"/>
+              <a:rPr lang="en-US" altLang="zh-TW" sz="800" dirty="0"/>
+              <a:t>            "</a:t>
+            </a:r>
+            <a:r>
+              <a:rPr lang="en-US" altLang="zh-TW" sz="800" dirty="0" err="1"/>
+              <a:t>AmountBilled</a:t>
+            </a:r>
+            <a:r>
+              <a:rPr lang="en-US" altLang="zh-TW" sz="800" dirty="0"/>
+              <a:t>": 1178227.94,</a:t>
+            </a:r>
+          </a:p>
+          <a:p>
+            <a:r>
+              <a:rPr lang="en-US" altLang="zh-TW" sz="800" dirty="0"/>
+              <a:t>            "Liability": 7.1428571429,</a:t>
+            </a:r>
+          </a:p>
+          <a:p>
+            <a:r>
+              <a:rPr lang="en-US" altLang="zh-TW" sz="800" dirty="0"/>
+              <a:t>            "</a:t>
+            </a:r>
+            <a:r>
+              <a:rPr lang="en-US" altLang="zh-TW" sz="800" dirty="0" err="1"/>
+              <a:t>YourShare</a:t>
+            </a:r>
+            <a:r>
+              <a:rPr lang="en-US" altLang="zh-TW" sz="800" dirty="0"/>
+              <a:t>": 84159.14</a:t>
+            </a:r>
+          </a:p>
+          <a:p>
+            <a:r>
+              <a:rPr lang="en-US" altLang="zh-TW" sz="800" dirty="0"/>
               <a:t>        },</a:t>
             </a:r>
-            <a:endParaRPr lang="en-US" altLang="zh-TW" sz="800" dirty="0"/>
           </a:p>
           <a:p>
             <a:r>
               <a:rPr lang="en-US" altLang="zh-TW" sz="800" dirty="0"/>
-              <a:t>        {…}</a:t>
+              <a:t>		{...}</a:t>
+            </a:r>
+          </a:p>
+          <a:p>
+            <a:r>
+              <a:rPr lang="en-US" altLang="zh-TW" sz="800" dirty="0"/>
+              <a:t>    ],</a:t>
+            </a:r>
+          </a:p>
+          <a:p>
+            <a:r>
+              <a:rPr lang="en-US" altLang="zh-TW" sz="800" dirty="0"/>
+              <a:t>    "</a:t>
+            </a:r>
+            <a:r>
+              <a:rPr lang="en-US" altLang="zh-TW" sz="800" dirty="0" err="1"/>
+              <a:t>InvoiceNo</a:t>
+            </a:r>
+            <a:r>
+              <a:rPr lang="en-US" altLang="zh-TW" sz="800" dirty="0"/>
+              <a:t>": "02CO-CI2303301838"</a:t>
+            </a:r>
+          </a:p>
+          <a:p>
+            <a:r>
+              <a:rPr lang="en-US" altLang="zh-TW" sz="800" dirty="0"/>
+              <a:t>}</a:t>
             </a:r>
             <a:endParaRPr lang="zh-TW" altLang="en-US" sz="800" dirty="0"/>
-          </a:p>
-          <a:p>
-            <a:r>
-              <a:rPr lang="zh-TW" altLang="en-US" sz="800" dirty="0"/>
-              <a:t>    ],</a:t>
-            </a:r>
-          </a:p>
-          <a:p>
-            <a:r>
-              <a:rPr lang="zh-TW" altLang="en-US" sz="800" dirty="0"/>
-              <a:t>    "InvoiceNo": "02CO-EG2303251517"</a:t>
-            </a:r>
-          </a:p>
-          <a:p>
-            <a:r>
-              <a:rPr lang="zh-TW" altLang="en-US" sz="800" dirty="0"/>
-              <a:t>}</a:t>
-            </a:r>
           </a:p>
         </p:txBody>
       </p:sp>
@@ -16905,7 +17152,7 @@
         <p:spPr>
           <a:xfrm>
             <a:off x="6892925" y="2281238"/>
-            <a:ext cx="1997075" cy="1460182"/>
+            <a:ext cx="1997075" cy="1582102"/>
           </a:xfrm>
           <a:prstGeom prst="rect">
             <a:avLst/>
@@ -17004,6 +17251,7 @@
             </a:extLst>
           </p:cNvPr>
           <p:cNvCxnSpPr>
+            <a:cxnSpLocks/>
             <a:stCxn id="12" idx="1"/>
             <a:endCxn id="13" idx="3"/>
           </p:cNvCxnSpPr>
@@ -17011,8 +17259,8 @@
         </p:nvCxnSpPr>
         <p:spPr>
           <a:xfrm rot="10800000" flipV="1">
-            <a:off x="5409733" y="3011329"/>
-            <a:ext cx="1483193" cy="2212530"/>
+            <a:off x="5409733" y="3072289"/>
+            <a:ext cx="1483193" cy="2151570"/>
           </a:xfrm>
           <a:prstGeom prst="bentConnector3">
             <a:avLst/>
@@ -17084,7 +17332,7 @@
         <p:spPr>
           <a:xfrm>
             <a:off x="6724650" y="169196"/>
-            <a:ext cx="4277647" cy="6247864"/>
+            <a:ext cx="4739217" cy="6370975"/>
           </a:xfrm>
           <a:prstGeom prst="rect">
             <a:avLst/>
@@ -17103,305 +17351,566 @@
           <a:lstStyle/>
           <a:p>
             <a:r>
+              <a:rPr lang="en-US" altLang="zh-TW" sz="800" dirty="0"/>
+              <a:t>{</a:t>
+            </a:r>
+          </a:p>
+          <a:p>
+            <a:r>
+              <a:rPr lang="en-US" altLang="zh-TW" sz="800" dirty="0"/>
+              <a:t>    "</a:t>
+            </a:r>
+            <a:r>
+              <a:rPr lang="en-US" altLang="zh-TW" sz="800" dirty="0" err="1"/>
+              <a:t>ContactWindowAndSupervisorInformation</a:t>
+            </a:r>
+            <a:r>
+              <a:rPr lang="en-US" altLang="zh-TW" sz="800" dirty="0"/>
+              <a:t>": {</a:t>
+            </a:r>
+          </a:p>
+          <a:p>
+            <a:r>
+              <a:rPr lang="en-US" altLang="zh-TW" sz="800" dirty="0"/>
+              <a:t>        "Company": "</a:t>
+            </a:r>
+            <a:r>
               <a:rPr lang="zh-TW" altLang="en-US" sz="800" dirty="0"/>
-              <a:t>{</a:t>
-            </a:r>
-          </a:p>
-          <a:p>
+              <a:t>中華電信</a:t>
+            </a:r>
+            <a:r>
+              <a:rPr lang="en-US" altLang="zh-TW" sz="800" dirty="0"/>
+              <a:t>",</a:t>
+            </a:r>
+          </a:p>
+          <a:p>
+            <a:r>
+              <a:rPr lang="en-US" altLang="zh-TW" sz="800" dirty="0"/>
+              <a:t>        "Address": "</a:t>
+            </a:r>
+            <a:r>
+              <a:rPr lang="en-US" altLang="zh-TW" sz="800" dirty="0" err="1"/>
+              <a:t>testaddr</a:t>
+            </a:r>
+            <a:r>
+              <a:rPr lang="en-US" altLang="zh-TW" sz="800" dirty="0"/>
+              <a:t>",</a:t>
+            </a:r>
+          </a:p>
+          <a:p>
+            <a:r>
+              <a:rPr lang="en-US" altLang="zh-TW" sz="800" dirty="0"/>
+              <a:t>        "Tel": "02-23443897",</a:t>
+            </a:r>
+          </a:p>
+          <a:p>
+            <a:r>
+              <a:rPr lang="en-US" altLang="zh-TW" sz="800" dirty="0"/>
+              <a:t>        "Fax": "02-23443897",</a:t>
+            </a:r>
+          </a:p>
+          <a:p>
+            <a:r>
+              <a:rPr lang="en-US" altLang="zh-TW" sz="800" dirty="0"/>
+              <a:t>        "</a:t>
+            </a:r>
+            <a:r>
+              <a:rPr lang="en-US" altLang="zh-TW" sz="800" dirty="0" err="1"/>
+              <a:t>DirectorName</a:t>
+            </a:r>
+            <a:r>
+              <a:rPr lang="en-US" altLang="zh-TW" sz="800" dirty="0"/>
+              <a:t>": "</a:t>
+            </a:r>
             <a:r>
               <a:rPr lang="zh-TW" altLang="en-US" sz="800" dirty="0"/>
-              <a:t>    "ContactWindowAndSupervisorInformation": {</a:t>
-            </a:r>
-          </a:p>
-          <a:p>
+              <a:t>郭贊章</a:t>
+            </a:r>
+            <a:r>
+              <a:rPr lang="en-US" altLang="zh-TW" sz="800" dirty="0"/>
+              <a:t>",</a:t>
+            </a:r>
+          </a:p>
+          <a:p>
+            <a:r>
+              <a:rPr lang="en-US" altLang="zh-TW" sz="800" dirty="0"/>
+              <a:t>        "</a:t>
+            </a:r>
+            <a:r>
+              <a:rPr lang="en-US" altLang="zh-TW" sz="800" dirty="0" err="1"/>
+              <a:t>DTel</a:t>
+            </a:r>
+            <a:r>
+              <a:rPr lang="en-US" altLang="zh-TW" sz="800" dirty="0"/>
+              <a:t>": "</a:t>
+            </a:r>
+            <a:r>
+              <a:rPr lang="en-US" altLang="zh-TW" sz="800" dirty="0" err="1"/>
+              <a:t>testtel</a:t>
+            </a:r>
+            <a:r>
+              <a:rPr lang="en-US" altLang="zh-TW" sz="800" dirty="0"/>
+              <a:t>",</a:t>
+            </a:r>
+          </a:p>
+          <a:p>
+            <a:r>
+              <a:rPr lang="en-US" altLang="zh-TW" sz="800" dirty="0"/>
+              <a:t>        "</a:t>
+            </a:r>
+            <a:r>
+              <a:rPr lang="en-US" altLang="zh-TW" sz="800" dirty="0" err="1"/>
+              <a:t>DFax</a:t>
+            </a:r>
+            <a:r>
+              <a:rPr lang="en-US" altLang="zh-TW" sz="800" dirty="0"/>
+              <a:t>": "</a:t>
+            </a:r>
+            <a:r>
+              <a:rPr lang="en-US" altLang="zh-TW" sz="800" dirty="0" err="1"/>
+              <a:t>testfax</a:t>
+            </a:r>
+            <a:r>
+              <a:rPr lang="en-US" altLang="zh-TW" sz="800" dirty="0"/>
+              <a:t>"</a:t>
+            </a:r>
+          </a:p>
+          <a:p>
+            <a:r>
+              <a:rPr lang="en-US" altLang="zh-TW" sz="800" dirty="0"/>
+              <a:t>    },</a:t>
+            </a:r>
+          </a:p>
+          <a:p>
+            <a:r>
+              <a:rPr lang="en-US" altLang="zh-TW" sz="800" dirty="0"/>
+              <a:t>    "</a:t>
+            </a:r>
+            <a:r>
+              <a:rPr lang="en-US" altLang="zh-TW" sz="800" dirty="0" err="1"/>
+              <a:t>PartyInformation</a:t>
+            </a:r>
+            <a:r>
+              <a:rPr lang="en-US" altLang="zh-TW" sz="800" dirty="0"/>
+              <a:t>": {</a:t>
+            </a:r>
+          </a:p>
+          <a:p>
+            <a:r>
+              <a:rPr lang="en-US" altLang="zh-TW" sz="800" dirty="0"/>
+              <a:t>        "Company": "Chunghwa Telecom Co., Ltd. Network Technology Group",</a:t>
+            </a:r>
+          </a:p>
+          <a:p>
+            <a:r>
+              <a:rPr lang="en-US" altLang="zh-TW" sz="800" dirty="0"/>
+              <a:t>        "Address": "31, </a:t>
+            </a:r>
+            <a:r>
+              <a:rPr lang="en-US" altLang="zh-TW" sz="800" dirty="0" err="1"/>
+              <a:t>Aikuo</a:t>
+            </a:r>
+            <a:r>
+              <a:rPr lang="en-US" altLang="zh-TW" sz="800" dirty="0"/>
+              <a:t> East Road, Taipei, Taiwan 106",</a:t>
+            </a:r>
+          </a:p>
+          <a:p>
+            <a:r>
+              <a:rPr lang="en-US" altLang="zh-TW" sz="800" dirty="0"/>
+              <a:t>        "Contact": "</a:t>
+            </a:r>
             <a:r>
               <a:rPr lang="zh-TW" altLang="en-US" sz="800" dirty="0"/>
-              <a:t>        "Company": "CHT",</a:t>
-            </a:r>
-          </a:p>
-          <a:p>
-            <a:r>
-              <a:rPr lang="zh-TW" altLang="en-US" sz="800" dirty="0"/>
-              <a:t>        "Address": "test-address",</a:t>
-            </a:r>
-          </a:p>
-          <a:p>
-            <a:r>
-              <a:rPr lang="zh-TW" altLang="en-US" sz="800" dirty="0"/>
-              <a:t>        "Tel": "123456789",</a:t>
-            </a:r>
-          </a:p>
-          <a:p>
-            <a:r>
-              <a:rPr lang="zh-TW" altLang="en-US" sz="800" dirty="0"/>
-              <a:t>        "Fax": "123456789",</a:t>
-            </a:r>
-          </a:p>
-          <a:p>
-            <a:r>
-              <a:rPr lang="zh-TW" altLang="en-US" sz="800" dirty="0"/>
-              <a:t>        "DirectorName": "郭贊章",</a:t>
-            </a:r>
-          </a:p>
-          <a:p>
-            <a:r>
-              <a:rPr lang="zh-TW" altLang="en-US" sz="800" dirty="0"/>
-              <a:t>        "DTel": "123456789",</a:t>
-            </a:r>
-          </a:p>
-          <a:p>
-            <a:r>
-              <a:rPr lang="zh-TW" altLang="en-US" sz="800" dirty="0"/>
-              <a:t>        "DFax": "123456789"</a:t>
-            </a:r>
-          </a:p>
-          <a:p>
-            <a:r>
-              <a:rPr lang="zh-TW" altLang="en-US" sz="800" dirty="0"/>
+              <a:t>黃宏杰</a:t>
+            </a:r>
+            <a:r>
+              <a:rPr lang="en-US" altLang="zh-TW" sz="800" dirty="0"/>
+              <a:t>",</a:t>
+            </a:r>
+          </a:p>
+          <a:p>
+            <a:r>
+              <a:rPr lang="en-US" altLang="zh-TW" sz="800" dirty="0"/>
+              <a:t>        "Email": "hj-hwang@cht.com.tw",</a:t>
+            </a:r>
+          </a:p>
+          <a:p>
+            <a:r>
+              <a:rPr lang="en-US" altLang="zh-TW" sz="800" dirty="0"/>
+              <a:t>        "Tel": "03-9772252"</a:t>
+            </a:r>
+          </a:p>
+          <a:p>
+            <a:r>
+              <a:rPr lang="en-US" altLang="zh-TW" sz="800" dirty="0"/>
               <a:t>    },</a:t>
             </a:r>
           </a:p>
           <a:p>
             <a:r>
-              <a:rPr lang="zh-TW" altLang="en-US" sz="800" dirty="0"/>
-              <a:t>    "PartyInformation": {</a:t>
-            </a:r>
-          </a:p>
-          <a:p>
-            <a:r>
-              <a:rPr lang="zh-TW" altLang="en-US" sz="800" dirty="0"/>
-              <a:t>        "Company": "Edge Company",</a:t>
-            </a:r>
-          </a:p>
-          <a:p>
-            <a:r>
-              <a:rPr lang="zh-TW" altLang="en-US" sz="800" dirty="0"/>
-              <a:t>        "Address": "test address",</a:t>
-            </a:r>
-          </a:p>
-          <a:p>
-            <a:r>
-              <a:rPr lang="zh-TW" altLang="en-US" sz="800" dirty="0"/>
-              <a:t>        "Contact": "test contact name",</a:t>
-            </a:r>
-          </a:p>
-          <a:p>
-            <a:r>
-              <a:rPr lang="zh-TW" altLang="en-US" sz="800" dirty="0"/>
-              <a:t>        "Email": "test@testmail.com",</a:t>
-            </a:r>
-          </a:p>
-          <a:p>
-            <a:r>
-              <a:rPr lang="zh-TW" altLang="en-US" sz="800" dirty="0"/>
-              <a:t>        "Tel": "123456789"</a:t>
-            </a:r>
-          </a:p>
-          <a:p>
-            <a:r>
-              <a:rPr lang="zh-TW" altLang="en-US" sz="800" dirty="0"/>
+              <a:rPr lang="en-US" altLang="zh-TW" sz="800" dirty="0"/>
+              <a:t>    "</a:t>
+            </a:r>
+            <a:r>
+              <a:rPr lang="en-US" altLang="zh-TW" sz="800" dirty="0" err="1"/>
+              <a:t>CorporateInformation</a:t>
+            </a:r>
+            <a:r>
+              <a:rPr lang="en-US" altLang="zh-TW" sz="800" dirty="0"/>
+              <a:t>": {</a:t>
+            </a:r>
+          </a:p>
+          <a:p>
+            <a:r>
+              <a:rPr lang="en-US" altLang="zh-TW" sz="800" dirty="0"/>
+              <a:t>        "</a:t>
+            </a:r>
+            <a:r>
+              <a:rPr lang="en-US" altLang="zh-TW" sz="800" dirty="0" err="1"/>
+              <a:t>BankName</a:t>
+            </a:r>
+            <a:r>
+              <a:rPr lang="en-US" altLang="zh-TW" sz="800" dirty="0"/>
+              <a:t>": "Bank of Taiwan, </a:t>
+            </a:r>
+            <a:r>
+              <a:rPr lang="en-US" altLang="zh-TW" sz="800" dirty="0" err="1"/>
+              <a:t>Hsinyi</a:t>
+            </a:r>
+            <a:r>
+              <a:rPr lang="en-US" altLang="zh-TW" sz="800" dirty="0"/>
+              <a:t> Branch",</a:t>
+            </a:r>
+          </a:p>
+          <a:p>
+            <a:r>
+              <a:rPr lang="en-US" altLang="zh-TW" sz="800" dirty="0"/>
+              <a:t>        "Branch": "",</a:t>
+            </a:r>
+          </a:p>
+          <a:p>
+            <a:r>
+              <a:rPr lang="en-US" altLang="zh-TW" sz="800" dirty="0"/>
+              <a:t>        "</a:t>
+            </a:r>
+            <a:r>
+              <a:rPr lang="en-US" altLang="zh-TW" sz="800" dirty="0" err="1"/>
+              <a:t>BranchAddress</a:t>
+            </a:r>
+            <a:r>
+              <a:rPr lang="en-US" altLang="zh-TW" sz="800" dirty="0"/>
+              <a:t>": "31 </a:t>
+            </a:r>
+            <a:r>
+              <a:rPr lang="en-US" altLang="zh-TW" sz="800" dirty="0" err="1"/>
+              <a:t>Aikuo</a:t>
+            </a:r>
+            <a:r>
+              <a:rPr lang="en-US" altLang="zh-TW" sz="800" dirty="0"/>
+              <a:t> E. Rd., Taipei, Taiwan, 106",</a:t>
+            </a:r>
+          </a:p>
+          <a:p>
+            <a:r>
+              <a:rPr lang="en-US" altLang="zh-TW" sz="800" dirty="0"/>
+              <a:t>        "</a:t>
+            </a:r>
+            <a:r>
+              <a:rPr lang="en-US" altLang="zh-TW" sz="800" dirty="0" err="1"/>
+              <a:t>BankAcctName</a:t>
+            </a:r>
+            <a:r>
+              <a:rPr lang="en-US" altLang="zh-TW" sz="800" dirty="0"/>
+              <a:t>": "SJC2 Central Billing Party of Chunghwa Telecom (International Business Group)",</a:t>
+            </a:r>
+          </a:p>
+          <a:p>
+            <a:r>
+              <a:rPr lang="en-US" altLang="zh-TW" sz="800" dirty="0"/>
+              <a:t>        "</a:t>
+            </a:r>
+            <a:r>
+              <a:rPr lang="en-US" altLang="zh-TW" sz="800" dirty="0" err="1"/>
+              <a:t>BankAcctNo</a:t>
+            </a:r>
+            <a:r>
+              <a:rPr lang="en-US" altLang="zh-TW" sz="800" dirty="0"/>
+              <a:t>": "054007501968",</a:t>
+            </a:r>
+          </a:p>
+          <a:p>
+            <a:r>
+              <a:rPr lang="en-US" altLang="zh-TW" sz="800" dirty="0"/>
+              <a:t>        "</a:t>
+            </a:r>
+            <a:r>
+              <a:rPr lang="en-US" altLang="zh-TW" sz="800" dirty="0" err="1"/>
+              <a:t>SavingAcctNo</a:t>
+            </a:r>
+            <a:r>
+              <a:rPr lang="en-US" altLang="zh-TW" sz="800" dirty="0"/>
+              <a:t>": "",</a:t>
+            </a:r>
+          </a:p>
+          <a:p>
+            <a:r>
+              <a:rPr lang="en-US" altLang="zh-TW" sz="800" dirty="0"/>
+              <a:t>        "IBAN": "",</a:t>
+            </a:r>
+          </a:p>
+          <a:p>
+            <a:r>
+              <a:rPr lang="en-US" altLang="zh-TW" sz="800" dirty="0"/>
+              <a:t>        "</a:t>
+            </a:r>
+            <a:r>
+              <a:rPr lang="en-US" altLang="zh-TW" sz="800" dirty="0" err="1"/>
+              <a:t>SWIFTCode</a:t>
+            </a:r>
+            <a:r>
+              <a:rPr lang="en-US" altLang="zh-TW" sz="800" dirty="0"/>
+              <a:t>": "BKTWTWTP054",</a:t>
+            </a:r>
+          </a:p>
+          <a:p>
+            <a:r>
+              <a:rPr lang="en-US" altLang="zh-TW" sz="800" dirty="0"/>
+              <a:t>        "</a:t>
+            </a:r>
+            <a:r>
+              <a:rPr lang="en-US" altLang="zh-TW" sz="800" dirty="0" err="1"/>
+              <a:t>ACHNo</a:t>
+            </a:r>
+            <a:r>
+              <a:rPr lang="en-US" altLang="zh-TW" sz="800" dirty="0"/>
+              <a:t>": "",</a:t>
+            </a:r>
+          </a:p>
+          <a:p>
+            <a:r>
+              <a:rPr lang="en-US" altLang="zh-TW" sz="800" dirty="0"/>
+              <a:t>        "</a:t>
+            </a:r>
+            <a:r>
+              <a:rPr lang="en-US" altLang="zh-TW" sz="800" dirty="0" err="1"/>
+              <a:t>WireRouting</a:t>
+            </a:r>
+            <a:r>
+              <a:rPr lang="en-US" altLang="zh-TW" sz="800" dirty="0"/>
+              <a:t>": "",</a:t>
+            </a:r>
+          </a:p>
+          <a:p>
+            <a:r>
+              <a:rPr lang="en-US" altLang="zh-TW" sz="800" dirty="0"/>
+              <a:t>        "Address": "88, Sec. 2, </a:t>
+            </a:r>
+            <a:r>
+              <a:rPr lang="en-US" altLang="zh-TW" sz="800" dirty="0" err="1"/>
+              <a:t>Sinyi</a:t>
+            </a:r>
+            <a:r>
+              <a:rPr lang="en-US" altLang="zh-TW" sz="800" dirty="0"/>
+              <a:t> Road, Taipei"</a:t>
+            </a:r>
+          </a:p>
+          <a:p>
+            <a:r>
+              <a:rPr lang="en-US" altLang="zh-TW" sz="800" dirty="0"/>
               <a:t>    },</a:t>
             </a:r>
           </a:p>
           <a:p>
             <a:r>
-              <a:rPr lang="zh-TW" altLang="en-US" sz="800" dirty="0"/>
-              <a:t>    "CorporateInformation": {</a:t>
-            </a:r>
-          </a:p>
-          <a:p>
-            <a:r>
-              <a:rPr lang="zh-TW" altLang="en-US" sz="800" dirty="0"/>
-              <a:t>        "Name": "test-name",</a:t>
-            </a:r>
-          </a:p>
-          <a:p>
-            <a:r>
-              <a:rPr lang="zh-TW" altLang="en-US" sz="800" dirty="0"/>
-              <a:t>        "Branch": "test-branch",</a:t>
-            </a:r>
-          </a:p>
-          <a:p>
-            <a:r>
-              <a:rPr lang="zh-TW" altLang="en-US" sz="800" dirty="0"/>
-              <a:t>        "Address": "test-address",</a:t>
-            </a:r>
-          </a:p>
-          <a:p>
-            <a:r>
-              <a:rPr lang="zh-TW" altLang="en-US" sz="800" dirty="0"/>
-              <a:t>        "AcctName": "test-acctname",</a:t>
-            </a:r>
-          </a:p>
-          <a:p>
-            <a:r>
-              <a:rPr lang="zh-TW" altLang="en-US" sz="800" dirty="0"/>
-              <a:t>        "AcctNo": "test-acctno",</a:t>
-            </a:r>
-          </a:p>
-          <a:p>
-            <a:r>
-              <a:rPr lang="zh-TW" altLang="en-US" sz="800" dirty="0"/>
-              <a:t>        "SavingAcctNo": "test-savingaccntno",</a:t>
-            </a:r>
-          </a:p>
-          <a:p>
-            <a:r>
-              <a:rPr lang="zh-TW" altLang="en-US" sz="800" dirty="0"/>
-              <a:t>        "IBAN": "test-iban",</a:t>
-            </a:r>
-          </a:p>
-          <a:p>
-            <a:r>
-              <a:rPr lang="zh-TW" altLang="en-US" sz="800" dirty="0"/>
-              <a:t>        "SWIFTCode": "test-swiftcode",</a:t>
-            </a:r>
-          </a:p>
-          <a:p>
-            <a:r>
-              <a:rPr lang="zh-TW" altLang="en-US" sz="800" dirty="0"/>
-              <a:t>        "ACHNo": "test-achno",</a:t>
-            </a:r>
-          </a:p>
-          <a:p>
-            <a:r>
-              <a:rPr lang="zh-TW" altLang="en-US" sz="800" dirty="0"/>
-              <a:t>        "WireRouting": "test-wirerouting"</a:t>
-            </a:r>
-          </a:p>
-          <a:p>
-            <a:r>
-              <a:rPr lang="zh-TW" altLang="en-US" sz="800" dirty="0"/>
-              <a:t>    },</a:t>
-            </a:r>
-          </a:p>
-          <a:p>
-            <a:r>
-              <a:rPr lang="zh-TW" altLang="en-US" sz="800" dirty="0"/>
-              <a:t>    "DetailInformation": [</a:t>
-            </a:r>
-          </a:p>
-          <a:p>
-            <a:r>
-              <a:rPr lang="zh-TW" altLang="en-US" sz="800" dirty="0"/>
+              <a:rPr lang="en-US" altLang="zh-TW" sz="800" dirty="0"/>
+              <a:t>    "</a:t>
+            </a:r>
+            <a:r>
+              <a:rPr lang="en-US" altLang="zh-TW" sz="800" dirty="0" err="1"/>
+              <a:t>DetailInformation</a:t>
+            </a:r>
+            <a:r>
+              <a:rPr lang="en-US" altLang="zh-TW" sz="800" dirty="0"/>
+              <a:t>": [</a:t>
+            </a:r>
+          </a:p>
+          <a:p>
+            <a:r>
+              <a:rPr lang="en-US" altLang="zh-TW" sz="800" dirty="0"/>
               <a:t>        {</a:t>
             </a:r>
           </a:p>
           <a:p>
             <a:r>
-              <a:rPr lang="zh-TW" altLang="en-US" sz="800" dirty="0"/>
-              <a:t>            "Supplier": "NEC",</a:t>
-            </a:r>
-          </a:p>
-          <a:p>
-            <a:r>
-              <a:rPr lang="zh-TW" altLang="en-US" sz="800" dirty="0"/>
-              <a:t>            "InvNumber": "02CO-EG2303251517",</a:t>
-            </a:r>
-          </a:p>
-          <a:p>
-            <a:r>
-              <a:rPr lang="zh-TW" altLang="en-US" sz="800" dirty="0"/>
+              <a:rPr lang="en-US" altLang="zh-TW" sz="800" dirty="0"/>
+              <a:t>            "Supplier": "NEC Corporation, Submarine Network Division",</a:t>
+            </a:r>
+          </a:p>
+          <a:p>
+            <a:r>
+              <a:rPr lang="en-US" altLang="zh-TW" sz="800" dirty="0"/>
+              <a:t>            "</a:t>
+            </a:r>
+            <a:r>
+              <a:rPr lang="en-US" altLang="zh-TW" sz="800" dirty="0" err="1"/>
+              <a:t>InvNumber</a:t>
+            </a:r>
+            <a:r>
+              <a:rPr lang="en-US" altLang="zh-TW" sz="800" dirty="0"/>
+              <a:t>": "02CO-CI2303301838",</a:t>
+            </a:r>
+          </a:p>
+          <a:p>
+            <a:r>
+              <a:rPr lang="en-US" altLang="zh-TW" sz="800" dirty="0"/>
               <a:t>            "Description": "BM9a Sea cable manufactured (except 8.5km spare cable))- Equipment",</a:t>
             </a:r>
           </a:p>
           <a:p>
             <a:r>
-              <a:rPr lang="zh-TW" altLang="en-US" sz="800" dirty="0"/>
-              <a:t>            "AmountBilled": 1288822.32,</a:t>
-            </a:r>
-          </a:p>
-          <a:p>
-            <a:r>
-              <a:rPr lang="zh-TW" altLang="en-US" sz="800" dirty="0"/>
-              <a:t>            "Liability": 28.5714285714,</a:t>
-            </a:r>
-          </a:p>
-          <a:p>
-            <a:r>
-              <a:rPr lang="zh-TW" altLang="en-US" sz="800" dirty="0"/>
-              <a:t>            "YourShare": 368234.95</a:t>
-            </a:r>
-          </a:p>
-          <a:p>
-            <a:r>
-              <a:rPr lang="zh-TW" altLang="en-US" sz="800" dirty="0"/>
+              <a:rPr lang="en-US" altLang="zh-TW" sz="800" dirty="0"/>
+              <a:t>            "</a:t>
+            </a:r>
+            <a:r>
+              <a:rPr lang="en-US" altLang="zh-TW" sz="800" dirty="0" err="1"/>
+              <a:t>AmountBilled</a:t>
+            </a:r>
+            <a:r>
+              <a:rPr lang="en-US" altLang="zh-TW" sz="800" dirty="0"/>
+              <a:t>": 1288822.32,</a:t>
+            </a:r>
+          </a:p>
+          <a:p>
+            <a:r>
+              <a:rPr lang="en-US" altLang="zh-TW" sz="800" dirty="0"/>
+              <a:t>            "Liability": 7.1428571429,</a:t>
+            </a:r>
+          </a:p>
+          <a:p>
+            <a:r>
+              <a:rPr lang="en-US" altLang="zh-TW" sz="800" dirty="0"/>
+              <a:t>            "</a:t>
+            </a:r>
+            <a:r>
+              <a:rPr lang="en-US" altLang="zh-TW" sz="800" dirty="0" err="1"/>
+              <a:t>YourShare</a:t>
+            </a:r>
+            <a:r>
+              <a:rPr lang="en-US" altLang="zh-TW" sz="800" dirty="0"/>
+              <a:t>": 92058.74</a:t>
+            </a:r>
+          </a:p>
+          <a:p>
+            <a:r>
+              <a:rPr lang="en-US" altLang="zh-TW" sz="800" dirty="0"/>
               <a:t>        },</a:t>
             </a:r>
           </a:p>
           <a:p>
             <a:r>
-              <a:rPr lang="zh-TW" altLang="en-US" sz="800" dirty="0"/>
+              <a:rPr lang="en-US" altLang="zh-TW" sz="800" dirty="0"/>
               <a:t>        {</a:t>
             </a:r>
           </a:p>
           <a:p>
             <a:r>
-              <a:rPr lang="zh-TW" altLang="en-US" sz="800" dirty="0"/>
-              <a:t>            "Supplier": "NEC",</a:t>
-            </a:r>
-          </a:p>
-          <a:p>
-            <a:r>
-              <a:rPr lang="zh-TW" altLang="en-US" sz="800" dirty="0"/>
-              <a:t>            "InvNumber": "02CO-EG2303251517",</a:t>
-            </a:r>
-          </a:p>
-          <a:p>
-            <a:r>
-              <a:rPr lang="zh-TW" altLang="en-US" sz="800" dirty="0"/>
+              <a:rPr lang="en-US" altLang="zh-TW" sz="800" dirty="0"/>
+              <a:t>            "Supplier": "NEC Corporation, Submarine Network Division",</a:t>
+            </a:r>
+          </a:p>
+          <a:p>
+            <a:r>
+              <a:rPr lang="en-US" altLang="zh-TW" sz="800" dirty="0"/>
+              <a:t>            "</a:t>
+            </a:r>
+            <a:r>
+              <a:rPr lang="en-US" altLang="zh-TW" sz="800" dirty="0" err="1"/>
+              <a:t>InvNumber</a:t>
+            </a:r>
+            <a:r>
+              <a:rPr lang="en-US" altLang="zh-TW" sz="800" dirty="0"/>
+              <a:t>": "02CO-CI2303301838",</a:t>
+            </a:r>
+          </a:p>
+          <a:p>
+            <a:r>
+              <a:rPr lang="en-US" altLang="zh-TW" sz="800" dirty="0"/>
               <a:t>            "Description": "BM9a Sea cable manufactured (except 8.5km spare cable))- Service",</a:t>
             </a:r>
           </a:p>
           <a:p>
             <a:r>
-              <a:rPr lang="zh-TW" altLang="en-US" sz="800" dirty="0"/>
-              <a:t>            "AmountBilled": 1178227.94,</a:t>
-            </a:r>
-          </a:p>
-          <a:p>
-            <a:r>
-              <a:rPr lang="zh-TW" altLang="en-US" sz="800" dirty="0"/>
-              <a:t>            "Liability": 28.5714285714,</a:t>
-            </a:r>
-          </a:p>
-          <a:p>
-            <a:r>
-              <a:rPr lang="zh-TW" altLang="en-US" sz="800" dirty="0"/>
-              <a:t>            "YourShare": 336636.55</a:t>
-            </a:r>
-          </a:p>
-          <a:p>
-            <a:r>
-              <a:rPr lang="zh-TW" altLang="en-US" sz="800" dirty="0"/>
+              <a:rPr lang="en-US" altLang="zh-TW" sz="800" dirty="0"/>
+              <a:t>            "</a:t>
+            </a:r>
+            <a:r>
+              <a:rPr lang="en-US" altLang="zh-TW" sz="800" dirty="0" err="1"/>
+              <a:t>AmountBilled</a:t>
+            </a:r>
+            <a:r>
+              <a:rPr lang="en-US" altLang="zh-TW" sz="800" dirty="0"/>
+              <a:t>": 1178227.94,</a:t>
+            </a:r>
+          </a:p>
+          <a:p>
+            <a:r>
+              <a:rPr lang="en-US" altLang="zh-TW" sz="800" dirty="0"/>
+              <a:t>            "Liability": 7.1428571429,</a:t>
+            </a:r>
+          </a:p>
+          <a:p>
+            <a:r>
+              <a:rPr lang="en-US" altLang="zh-TW" sz="800" dirty="0"/>
+              <a:t>            "</a:t>
+            </a:r>
+            <a:r>
+              <a:rPr lang="en-US" altLang="zh-TW" sz="800" dirty="0" err="1"/>
+              <a:t>YourShare</a:t>
+            </a:r>
+            <a:r>
+              <a:rPr lang="en-US" altLang="zh-TW" sz="800" dirty="0"/>
+              <a:t>": 84159.14</a:t>
+            </a:r>
+          </a:p>
+          <a:p>
+            <a:r>
+              <a:rPr lang="en-US" altLang="zh-TW" sz="800" dirty="0"/>
               <a:t>        },</a:t>
             </a:r>
-            <a:endParaRPr lang="en-US" altLang="zh-TW" sz="800" dirty="0"/>
           </a:p>
           <a:p>
             <a:r>
               <a:rPr lang="en-US" altLang="zh-TW" sz="800" dirty="0"/>
-              <a:t>        {…}</a:t>
+              <a:t>		{...}</a:t>
+            </a:r>
+          </a:p>
+          <a:p>
+            <a:r>
+              <a:rPr lang="en-US" altLang="zh-TW" sz="800" dirty="0"/>
+              <a:t>    ],</a:t>
+            </a:r>
+          </a:p>
+          <a:p>
+            <a:r>
+              <a:rPr lang="en-US" altLang="zh-TW" sz="800" dirty="0"/>
+              <a:t>    "</a:t>
+            </a:r>
+            <a:r>
+              <a:rPr lang="en-US" altLang="zh-TW" sz="800" dirty="0" err="1"/>
+              <a:t>InvoiceNo</a:t>
+            </a:r>
+            <a:r>
+              <a:rPr lang="en-US" altLang="zh-TW" sz="800" dirty="0"/>
+              <a:t>": "02CO-CI2303301838"</a:t>
+            </a:r>
+          </a:p>
+          <a:p>
+            <a:r>
+              <a:rPr lang="en-US" altLang="zh-TW" sz="800" dirty="0"/>
+              <a:t>}</a:t>
             </a:r>
             <a:endParaRPr lang="zh-TW" altLang="en-US" sz="800" dirty="0"/>
-          </a:p>
-          <a:p>
-            <a:r>
-              <a:rPr lang="zh-TW" altLang="en-US" sz="800" dirty="0"/>
-              <a:t>    ],</a:t>
-            </a:r>
-          </a:p>
-          <a:p>
-            <a:r>
-              <a:rPr lang="zh-TW" altLang="en-US" sz="800" dirty="0"/>
-              <a:t>    "InvoiceNo": "02CO-EG2303251517"</a:t>
-            </a:r>
-          </a:p>
-          <a:p>
-            <a:r>
-              <a:rPr lang="zh-TW" altLang="en-US" sz="800" dirty="0"/>
-              <a:t>}</a:t>
-            </a:r>
           </a:p>
         </p:txBody>
       </p:sp>
@@ -17449,8 +17958,8 @@
         </p:nvSpPr>
         <p:spPr>
           <a:xfrm>
-            <a:off x="6976052" y="3851420"/>
-            <a:ext cx="3812021" cy="997671"/>
+            <a:off x="6976052" y="4000500"/>
+            <a:ext cx="3812021" cy="944880"/>
           </a:xfrm>
           <a:prstGeom prst="rect">
             <a:avLst/>
@@ -17549,6 +18058,7 @@
             </a:extLst>
           </p:cNvPr>
           <p:cNvCxnSpPr>
+            <a:cxnSpLocks/>
             <a:stCxn id="16" idx="1"/>
             <a:endCxn id="17" idx="3"/>
           </p:cNvCxnSpPr>
@@ -17557,7 +18067,7 @@
         <p:spPr>
           <a:xfrm rot="10800000">
             <a:off x="4922982" y="3472766"/>
-            <a:ext cx="2053070" cy="877491"/>
+            <a:ext cx="2053070" cy="1000175"/>
           </a:xfrm>
           <a:prstGeom prst="bentConnector3">
             <a:avLst/>
